--- a/Building a Highly Available, Scalable Web Application/מצגת/Academy_Lab_Projects_Showcase_template.pptx
+++ b/Building a Highly Available, Scalable Web Application/מצגת/Academy_Lab_Projects_Showcase_template.pptx
@@ -1614,7 +1614,7 @@
                 <a16:creationId xmlns:a16="http://schemas.microsoft.com/office/drawing/2014/main" id="{A2C3C3E5-7849-41DF-885A-361FFB68A8BE}"/>
               </a:ext>
               <a:ext uri="{C183D7F6-B498-43B3-948B-1728B52AA6E4}">
-                <adec:decorative xmlns:adec="http://schemas.microsoft.com/office/drawing/2017/decorative" xmlns="" val="1"/>
+                <adec:decorative xmlns="" xmlns:adec="http://schemas.microsoft.com/office/drawing/2017/decorative" val="1"/>
               </a:ext>
             </a:extLst>
           </p:cNvPr>
@@ -1776,7 +1776,7 @@
                 <a16:creationId xmlns:a16="http://schemas.microsoft.com/office/drawing/2014/main" id="{1AA7B286-8B48-4C92-B2A9-AADCF2EEA2A0}"/>
               </a:ext>
               <a:ext uri="{C183D7F6-B498-43B3-948B-1728B52AA6E4}">
-                <adec:decorative xmlns:adec="http://schemas.microsoft.com/office/drawing/2017/decorative" xmlns="" val="1"/>
+                <adec:decorative xmlns="" xmlns:adec="http://schemas.microsoft.com/office/drawing/2017/decorative" val="1"/>
               </a:ext>
             </a:extLst>
           </p:cNvPr>
@@ -2087,7 +2087,7 @@
                 <a16:creationId xmlns:a16="http://schemas.microsoft.com/office/drawing/2014/main" id="{ECDF26F2-E972-40FE-806F-12B056EA9DCC}"/>
               </a:ext>
               <a:ext uri="{C183D7F6-B498-43B3-948B-1728B52AA6E4}">
-                <adec:decorative xmlns:adec="http://schemas.microsoft.com/office/drawing/2017/decorative" xmlns="" val="1"/>
+                <adec:decorative xmlns="" xmlns:adec="http://schemas.microsoft.com/office/drawing/2017/decorative" val="1"/>
               </a:ext>
             </a:extLst>
           </p:cNvPr>
@@ -2271,7 +2271,7 @@
                 <a16:creationId xmlns:a16="http://schemas.microsoft.com/office/drawing/2014/main" id="{A644AF2C-FFDC-4661-BF6B-D208E5E816FA}"/>
               </a:ext>
               <a:ext uri="{C183D7F6-B498-43B3-948B-1728B52AA6E4}">
-                <adec:decorative xmlns:adec="http://schemas.microsoft.com/office/drawing/2017/decorative" xmlns="" val="1"/>
+                <adec:decorative xmlns="" xmlns:adec="http://schemas.microsoft.com/office/drawing/2017/decorative" val="1"/>
               </a:ext>
             </a:extLst>
           </p:cNvPr>
@@ -2444,7 +2444,7 @@
                 <a16:creationId xmlns:a16="http://schemas.microsoft.com/office/drawing/2014/main" id="{FFFF9C37-F39B-42A9-BBBE-575861502579}"/>
               </a:ext>
               <a:ext uri="{C183D7F6-B498-43B3-948B-1728B52AA6E4}">
-                <adec:decorative xmlns:adec="http://schemas.microsoft.com/office/drawing/2017/decorative" xmlns="" val="1"/>
+                <adec:decorative xmlns="" xmlns:adec="http://schemas.microsoft.com/office/drawing/2017/decorative" val="1"/>
               </a:ext>
             </a:extLst>
           </p:cNvPr>
@@ -2672,7 +2672,7 @@
                 <a16:creationId xmlns:a16="http://schemas.microsoft.com/office/drawing/2014/main" id="{A644AF2C-FFDC-4661-BF6B-D208E5E816FA}"/>
               </a:ext>
               <a:ext uri="{C183D7F6-B498-43B3-948B-1728B52AA6E4}">
-                <adec:decorative xmlns:adec="http://schemas.microsoft.com/office/drawing/2017/decorative" xmlns="" val="1"/>
+                <adec:decorative xmlns="" xmlns:adec="http://schemas.microsoft.com/office/drawing/2017/decorative" val="1"/>
               </a:ext>
             </a:extLst>
           </p:cNvPr>
@@ -2760,7 +2760,7 @@
                 <a16:creationId xmlns:a16="http://schemas.microsoft.com/office/drawing/2014/main" id="{76567437-E18D-4274-8EB3-54B9DE902BBD}"/>
               </a:ext>
               <a:ext uri="{C183D7F6-B498-43B3-948B-1728B52AA6E4}">
-                <adec:decorative xmlns:adec="http://schemas.microsoft.com/office/drawing/2017/decorative" xmlns="" val="1"/>
+                <adec:decorative xmlns="" xmlns:adec="http://schemas.microsoft.com/office/drawing/2017/decorative" val="1"/>
               </a:ext>
             </a:extLst>
           </p:cNvPr>
@@ -2783,7 +2783,7 @@
                   <a16:creationId xmlns:a16="http://schemas.microsoft.com/office/drawing/2014/main" id="{50B9701F-77A8-41C6-92EB-864571F194D7}"/>
                 </a:ext>
                 <a:ext uri="{C183D7F6-B498-43B3-948B-1728B52AA6E4}">
-                  <adec:decorative xmlns:adec="http://schemas.microsoft.com/office/drawing/2017/decorative" xmlns="" val="1"/>
+                  <adec:decorative xmlns="" xmlns:adec="http://schemas.microsoft.com/office/drawing/2017/decorative" val="1"/>
                 </a:ext>
               </a:extLst>
             </p:cNvPr>
@@ -2822,7 +2822,7 @@
                   <a16:creationId xmlns:a16="http://schemas.microsoft.com/office/drawing/2014/main" id="{39B7DF57-C231-4CAA-9959-A12A3D224023}"/>
                 </a:ext>
                 <a:ext uri="{C183D7F6-B498-43B3-948B-1728B52AA6E4}">
-                  <adec:decorative xmlns:adec="http://schemas.microsoft.com/office/drawing/2017/decorative" xmlns="" val="1"/>
+                  <adec:decorative xmlns="" xmlns:adec="http://schemas.microsoft.com/office/drawing/2017/decorative" val="1"/>
                 </a:ext>
               </a:extLst>
             </p:cNvPr>
@@ -2947,7 +2947,7 @@
                 <a16:creationId xmlns:a16="http://schemas.microsoft.com/office/drawing/2014/main" id="{E25EBCDC-6C07-4B35-82D5-0AC6628754E6}"/>
               </a:ext>
               <a:ext uri="{C183D7F6-B498-43B3-948B-1728B52AA6E4}">
-                <adec:decorative xmlns:adec="http://schemas.microsoft.com/office/drawing/2017/decorative" xmlns="" val="1"/>
+                <adec:decorative xmlns="" xmlns:adec="http://schemas.microsoft.com/office/drawing/2017/decorative" val="1"/>
               </a:ext>
             </a:extLst>
           </p:cNvPr>
@@ -3214,7 +3214,7 @@
                 <a16:creationId xmlns:a16="http://schemas.microsoft.com/office/drawing/2014/main" id="{47407828-5EAD-4B51-9E63-A3BCA2C02C10}"/>
               </a:ext>
               <a:ext uri="{C183D7F6-B498-43B3-948B-1728B52AA6E4}">
-                <adec:decorative xmlns:adec="http://schemas.microsoft.com/office/drawing/2017/decorative" xmlns="" val="1"/>
+                <adec:decorative xmlns="" xmlns:adec="http://schemas.microsoft.com/office/drawing/2017/decorative" val="1"/>
               </a:ext>
             </a:extLst>
           </p:cNvPr>
@@ -3237,7 +3237,7 @@
                   <a16:creationId xmlns:a16="http://schemas.microsoft.com/office/drawing/2014/main" id="{86EB8EF7-E12A-4724-8CD0-BCD419CC1D72}"/>
                 </a:ext>
                 <a:ext uri="{C183D7F6-B498-43B3-948B-1728B52AA6E4}">
-                  <adec:decorative xmlns:adec="http://schemas.microsoft.com/office/drawing/2017/decorative" xmlns="" val="1"/>
+                  <adec:decorative xmlns="" xmlns:adec="http://schemas.microsoft.com/office/drawing/2017/decorative" val="1"/>
                 </a:ext>
               </a:extLst>
             </p:cNvPr>
@@ -3276,7 +3276,7 @@
                   <a16:creationId xmlns:a16="http://schemas.microsoft.com/office/drawing/2014/main" id="{A98871DD-BA51-4D2E-B73C-B53E0040D847}"/>
                 </a:ext>
                 <a:ext uri="{C183D7F6-B498-43B3-948B-1728B52AA6E4}">
-                  <adec:decorative xmlns:adec="http://schemas.microsoft.com/office/drawing/2017/decorative" xmlns="" val="1"/>
+                  <adec:decorative xmlns="" xmlns:adec="http://schemas.microsoft.com/office/drawing/2017/decorative" val="1"/>
                 </a:ext>
               </a:extLst>
             </p:cNvPr>
@@ -3403,7 +3403,7 @@
                 <a16:creationId xmlns:a16="http://schemas.microsoft.com/office/drawing/2014/main" id="{A8750EE2-55D6-4668-9C14-21FA8D6643EA}"/>
               </a:ext>
               <a:ext uri="{C183D7F6-B498-43B3-948B-1728B52AA6E4}">
-                <adec:decorative xmlns:adec="http://schemas.microsoft.com/office/drawing/2017/decorative" xmlns="" val="1"/>
+                <adec:decorative xmlns="" xmlns:adec="http://schemas.microsoft.com/office/drawing/2017/decorative" val="1"/>
               </a:ext>
             </a:extLst>
           </p:cNvPr>
@@ -3558,7 +3558,7 @@
                 <a16:creationId xmlns:a16="http://schemas.microsoft.com/office/drawing/2014/main" id="{97C88FB1-7BD6-48D3-9B99-1098619F5246}"/>
               </a:ext>
               <a:ext uri="{C183D7F6-B498-43B3-948B-1728B52AA6E4}">
-                <adec:decorative xmlns:adec="http://schemas.microsoft.com/office/drawing/2017/decorative" xmlns="" val="1"/>
+                <adec:decorative xmlns="" xmlns:adec="http://schemas.microsoft.com/office/drawing/2017/decorative" val="1"/>
               </a:ext>
             </a:extLst>
           </p:cNvPr>
@@ -3661,7 +3661,7 @@
                 <a16:creationId xmlns:a16="http://schemas.microsoft.com/office/drawing/2014/main" id="{536ADC96-59CC-4670-BA80-757A11151BF9}"/>
               </a:ext>
               <a:ext uri="{C183D7F6-B498-43B3-948B-1728B52AA6E4}">
-                <adec:decorative xmlns:adec="http://schemas.microsoft.com/office/drawing/2017/decorative" xmlns="" val="1"/>
+                <adec:decorative xmlns="" xmlns:adec="http://schemas.microsoft.com/office/drawing/2017/decorative" val="1"/>
               </a:ext>
             </a:extLst>
           </p:cNvPr>
@@ -3764,7 +3764,7 @@
                 <a16:creationId xmlns:a16="http://schemas.microsoft.com/office/drawing/2014/main" id="{DEC705E3-5BBB-4173-AAF5-E12991B7D59F}"/>
               </a:ext>
               <a:ext uri="{C183D7F6-B498-43B3-948B-1728B52AA6E4}">
-                <adec:decorative xmlns:adec="http://schemas.microsoft.com/office/drawing/2017/decorative" xmlns="" val="1"/>
+                <adec:decorative xmlns="" xmlns:adec="http://schemas.microsoft.com/office/drawing/2017/decorative" val="1"/>
               </a:ext>
             </a:extLst>
           </p:cNvPr>
@@ -3993,7 +3993,7 @@
                 <a16:creationId xmlns:a16="http://schemas.microsoft.com/office/drawing/2014/main" id="{DDE84D45-638C-4BCD-B539-05F38F37CF3D}"/>
               </a:ext>
               <a:ext uri="{C183D7F6-B498-43B3-948B-1728B52AA6E4}">
-                <adec:decorative xmlns:adec="http://schemas.microsoft.com/office/drawing/2017/decorative" xmlns="" val="1"/>
+                <adec:decorative xmlns="" xmlns:adec="http://schemas.microsoft.com/office/drawing/2017/decorative" val="1"/>
               </a:ext>
             </a:extLst>
           </p:cNvPr>
@@ -4418,7 +4418,7 @@
                 <a16:creationId xmlns:a16="http://schemas.microsoft.com/office/drawing/2014/main" id="{436CF646-2D71-47F1-8550-51446EDEB819}"/>
               </a:ext>
               <a:ext uri="{C183D7F6-B498-43B3-948B-1728B52AA6E4}">
-                <adec:decorative xmlns:adec="http://schemas.microsoft.com/office/drawing/2017/decorative" xmlns="" val="1"/>
+                <adec:decorative xmlns="" xmlns:adec="http://schemas.microsoft.com/office/drawing/2017/decorative" val="1"/>
               </a:ext>
             </a:extLst>
           </p:cNvPr>
@@ -4843,7 +4843,7 @@
                 <a16:creationId xmlns:a16="http://schemas.microsoft.com/office/drawing/2014/main" id="{25E540B6-8F1E-4977-BD60-59FB7D23F464}"/>
               </a:ext>
               <a:ext uri="{C183D7F6-B498-43B3-948B-1728B52AA6E4}">
-                <adec:decorative xmlns:adec="http://schemas.microsoft.com/office/drawing/2017/decorative" xmlns="" val="1"/>
+                <adec:decorative xmlns="" xmlns:adec="http://schemas.microsoft.com/office/drawing/2017/decorative" val="1"/>
               </a:ext>
             </a:extLst>
           </p:cNvPr>
@@ -5288,7 +5288,7 @@
                 <a16:creationId xmlns:a16="http://schemas.microsoft.com/office/drawing/2014/main" id="{B5282040-FA2B-4014-827F-F5B85DA67656}"/>
               </a:ext>
               <a:ext uri="{C183D7F6-B498-43B3-948B-1728B52AA6E4}">
-                <adec:decorative xmlns:adec="http://schemas.microsoft.com/office/drawing/2017/decorative" xmlns="" val="1"/>
+                <adec:decorative xmlns="" xmlns:adec="http://schemas.microsoft.com/office/drawing/2017/decorative" val="1"/>
               </a:ext>
             </a:extLst>
           </p:cNvPr>
@@ -5687,7 +5687,7 @@
                 <a16:creationId xmlns:a16="http://schemas.microsoft.com/office/drawing/2014/main" id="{12D9B9CA-678C-44DB-A29A-D7DA4A64C7B1}"/>
               </a:ext>
               <a:ext uri="{C183D7F6-B498-43B3-948B-1728B52AA6E4}">
-                <adec:decorative xmlns:adec="http://schemas.microsoft.com/office/drawing/2017/decorative" xmlns="" val="1"/>
+                <adec:decorative xmlns="" xmlns:adec="http://schemas.microsoft.com/office/drawing/2017/decorative" val="1"/>
               </a:ext>
             </a:extLst>
           </p:cNvPr>
@@ -6419,7 +6419,7 @@
                 <a16:creationId xmlns:a16="http://schemas.microsoft.com/office/drawing/2014/main" id="{D92B13EB-841E-4A00-B345-D5601EDE0664}"/>
               </a:ext>
               <a:ext uri="{C183D7F6-B498-43B3-948B-1728B52AA6E4}">
-                <adec:decorative xmlns:adec="http://schemas.microsoft.com/office/drawing/2017/decorative" xmlns="" val="1"/>
+                <adec:decorative xmlns="" xmlns:adec="http://schemas.microsoft.com/office/drawing/2017/decorative" val="1"/>
               </a:ext>
             </a:extLst>
           </p:cNvPr>
@@ -6496,7 +6496,7 @@
                 <a16:creationId xmlns:a16="http://schemas.microsoft.com/office/drawing/2014/main" id="{DEF6C79C-9D0E-41C2-AA50-8E21FCE741EA}"/>
               </a:ext>
               <a:ext uri="{C183D7F6-B498-43B3-948B-1728B52AA6E4}">
-                <adec:decorative xmlns:adec="http://schemas.microsoft.com/office/drawing/2017/decorative" xmlns="" val="1"/>
+                <adec:decorative xmlns="" xmlns:adec="http://schemas.microsoft.com/office/drawing/2017/decorative" val="1"/>
               </a:ext>
             </a:extLst>
           </p:cNvPr>
@@ -6808,7 +6808,7 @@
                 <a16:creationId xmlns:a16="http://schemas.microsoft.com/office/drawing/2014/main" id="{E9ECC349-DC9E-43B4-9780-22F11542C500}"/>
               </a:ext>
               <a:ext uri="{C183D7F6-B498-43B3-948B-1728B52AA6E4}">
-                <adec:decorative xmlns:adec="http://schemas.microsoft.com/office/drawing/2017/decorative" xmlns="" val="1"/>
+                <adec:decorative xmlns="" xmlns:adec="http://schemas.microsoft.com/office/drawing/2017/decorative" val="1"/>
               </a:ext>
             </a:extLst>
           </p:cNvPr>
@@ -6896,7 +6896,7 @@
                 <a16:creationId xmlns:a16="http://schemas.microsoft.com/office/drawing/2014/main" id="{173D7629-1A9C-4345-AAF8-04B661B01BFF}"/>
               </a:ext>
               <a:ext uri="{C183D7F6-B498-43B3-948B-1728B52AA6E4}">
-                <adec:decorative xmlns:adec="http://schemas.microsoft.com/office/drawing/2017/decorative" xmlns="" val="1"/>
+                <adec:decorative xmlns="" xmlns:adec="http://schemas.microsoft.com/office/drawing/2017/decorative" val="1"/>
               </a:ext>
             </a:extLst>
           </p:cNvPr>
@@ -6919,7 +6919,7 @@
                   <a16:creationId xmlns:a16="http://schemas.microsoft.com/office/drawing/2014/main" id="{7D5C187B-1A36-4731-9D73-181529A36405}"/>
                 </a:ext>
                 <a:ext uri="{C183D7F6-B498-43B3-948B-1728B52AA6E4}">
-                  <adec:decorative xmlns:adec="http://schemas.microsoft.com/office/drawing/2017/decorative" xmlns="" val="1"/>
+                  <adec:decorative xmlns="" xmlns:adec="http://schemas.microsoft.com/office/drawing/2017/decorative" val="1"/>
                 </a:ext>
               </a:extLst>
             </p:cNvPr>
@@ -6958,7 +6958,7 @@
                   <a16:creationId xmlns:a16="http://schemas.microsoft.com/office/drawing/2014/main" id="{2BB9B5CB-6BB1-45BC-9AA7-38BB668B8A35}"/>
                 </a:ext>
                 <a:ext uri="{C183D7F6-B498-43B3-948B-1728B52AA6E4}">
-                  <adec:decorative xmlns:adec="http://schemas.microsoft.com/office/drawing/2017/decorative" xmlns="" val="1"/>
+                  <adec:decorative xmlns="" xmlns:adec="http://schemas.microsoft.com/office/drawing/2017/decorative" val="1"/>
                 </a:ext>
               </a:extLst>
             </p:cNvPr>
@@ -7083,7 +7083,7 @@
                 <a16:creationId xmlns:a16="http://schemas.microsoft.com/office/drawing/2014/main" id="{D20A7D1A-2EBE-48DA-AE10-ADAE1FC9C413}"/>
               </a:ext>
               <a:ext uri="{C183D7F6-B498-43B3-948B-1728B52AA6E4}">
-                <adec:decorative xmlns:adec="http://schemas.microsoft.com/office/drawing/2017/decorative" xmlns="" val="1"/>
+                <adec:decorative xmlns="" xmlns:adec="http://schemas.microsoft.com/office/drawing/2017/decorative" val="1"/>
               </a:ext>
             </a:extLst>
           </p:cNvPr>
@@ -7324,7 +7324,7 @@
                 <a16:creationId xmlns:a16="http://schemas.microsoft.com/office/drawing/2014/main" id="{0FC9A3C9-76CB-45ED-925D-DF04C6D528DC}"/>
               </a:ext>
               <a:ext uri="{C183D7F6-B498-43B3-948B-1728B52AA6E4}">
-                <adec:decorative xmlns:adec="http://schemas.microsoft.com/office/drawing/2017/decorative" xmlns="" val="1"/>
+                <adec:decorative xmlns="" xmlns:adec="http://schemas.microsoft.com/office/drawing/2017/decorative" val="1"/>
               </a:ext>
             </a:extLst>
           </p:cNvPr>
@@ -7688,7 +7688,7 @@
                 <a16:creationId xmlns:a16="http://schemas.microsoft.com/office/drawing/2014/main" id="{7EE2A4FF-27FC-4124-82F8-941EBFCC0E4F}"/>
               </a:ext>
               <a:ext uri="{C183D7F6-B498-43B3-948B-1728B52AA6E4}">
-                <adec:decorative xmlns:adec="http://schemas.microsoft.com/office/drawing/2017/decorative" xmlns="" val="1"/>
+                <adec:decorative xmlns="" xmlns:adec="http://schemas.microsoft.com/office/drawing/2017/decorative" val="1"/>
               </a:ext>
             </a:extLst>
           </p:cNvPr>
@@ -8158,7 +8158,7 @@
                 <a16:creationId xmlns:a16="http://schemas.microsoft.com/office/drawing/2014/main" id="{5E94278F-C163-4179-AC1B-35DE088D94AB}"/>
               </a:ext>
               <a:ext uri="{C183D7F6-B498-43B3-948B-1728B52AA6E4}">
-                <adec:decorative xmlns:adec="http://schemas.microsoft.com/office/drawing/2017/decorative" xmlns="" val="1"/>
+                <adec:decorative xmlns="" xmlns:adec="http://schemas.microsoft.com/office/drawing/2017/decorative" val="1"/>
               </a:ext>
             </a:extLst>
           </p:cNvPr>
@@ -8890,7 +8890,7 @@
                 <a16:creationId xmlns:a16="http://schemas.microsoft.com/office/drawing/2014/main" id="{D60A92DB-4EDE-4A1F-9E58-683E66BD2485}"/>
               </a:ext>
               <a:ext uri="{C183D7F6-B498-43B3-948B-1728B52AA6E4}">
-                <adec:decorative xmlns:adec="http://schemas.microsoft.com/office/drawing/2017/decorative" xmlns="" val="1"/>
+                <adec:decorative xmlns="" xmlns:adec="http://schemas.microsoft.com/office/drawing/2017/decorative" val="1"/>
               </a:ext>
             </a:extLst>
           </p:cNvPr>
@@ -8913,7 +8913,7 @@
                   <a16:creationId xmlns:a16="http://schemas.microsoft.com/office/drawing/2014/main" id="{0A39D91E-8E12-4EDA-A92E-1823DFEBDCAE}"/>
                 </a:ext>
                 <a:ext uri="{C183D7F6-B498-43B3-948B-1728B52AA6E4}">
-                  <adec:decorative xmlns:adec="http://schemas.microsoft.com/office/drawing/2017/decorative" xmlns="" val="1"/>
+                  <adec:decorative xmlns="" xmlns:adec="http://schemas.microsoft.com/office/drawing/2017/decorative" val="1"/>
                 </a:ext>
               </a:extLst>
             </p:cNvPr>
@@ -8952,7 +8952,7 @@
                   <a16:creationId xmlns:a16="http://schemas.microsoft.com/office/drawing/2014/main" id="{07A34186-F2DF-4A02-80D8-2DCF8944E228}"/>
                 </a:ext>
                 <a:ext uri="{C183D7F6-B498-43B3-948B-1728B52AA6E4}">
-                  <adec:decorative xmlns:adec="http://schemas.microsoft.com/office/drawing/2017/decorative" xmlns="" val="1"/>
+                  <adec:decorative xmlns="" xmlns:adec="http://schemas.microsoft.com/office/drawing/2017/decorative" val="1"/>
                 </a:ext>
               </a:extLst>
             </p:cNvPr>
@@ -9077,7 +9077,7 @@
                 <a16:creationId xmlns:a16="http://schemas.microsoft.com/office/drawing/2014/main" id="{97C88FB1-7BD6-48D3-9B99-1098619F5246}"/>
               </a:ext>
               <a:ext uri="{C183D7F6-B498-43B3-948B-1728B52AA6E4}">
-                <adec:decorative xmlns:adec="http://schemas.microsoft.com/office/drawing/2017/decorative" xmlns="" val="1"/>
+                <adec:decorative xmlns="" xmlns:adec="http://schemas.microsoft.com/office/drawing/2017/decorative" val="1"/>
               </a:ext>
             </a:extLst>
           </p:cNvPr>
@@ -9216,7 +9216,7 @@
                 <a16:creationId xmlns:a16="http://schemas.microsoft.com/office/drawing/2014/main" id="{536ADC96-59CC-4670-BA80-757A11151BF9}"/>
               </a:ext>
               <a:ext uri="{C183D7F6-B498-43B3-948B-1728B52AA6E4}">
-                <adec:decorative xmlns:adec="http://schemas.microsoft.com/office/drawing/2017/decorative" xmlns="" val="1"/>
+                <adec:decorative xmlns="" xmlns:adec="http://schemas.microsoft.com/office/drawing/2017/decorative" val="1"/>
               </a:ext>
             </a:extLst>
           </p:cNvPr>
@@ -9357,7 +9357,7 @@
                 <a16:creationId xmlns:a16="http://schemas.microsoft.com/office/drawing/2014/main" id="{DEC705E3-5BBB-4173-AAF5-E12991B7D59F}"/>
               </a:ext>
               <a:ext uri="{C183D7F6-B498-43B3-948B-1728B52AA6E4}">
-                <adec:decorative xmlns:adec="http://schemas.microsoft.com/office/drawing/2017/decorative" xmlns="" val="1"/>
+                <adec:decorative xmlns="" xmlns:adec="http://schemas.microsoft.com/office/drawing/2017/decorative" val="1"/>
               </a:ext>
             </a:extLst>
           </p:cNvPr>
@@ -9624,7 +9624,7 @@
                 <a16:creationId xmlns:a16="http://schemas.microsoft.com/office/drawing/2014/main" id="{6FD66F17-7724-455C-B925-81DD7A5F769A}"/>
               </a:ext>
               <a:ext uri="{C183D7F6-B498-43B3-948B-1728B52AA6E4}">
-                <adec:decorative xmlns:adec="http://schemas.microsoft.com/office/drawing/2017/decorative" xmlns="" val="1"/>
+                <adec:decorative xmlns="" xmlns:adec="http://schemas.microsoft.com/office/drawing/2017/decorative" val="1"/>
               </a:ext>
             </a:extLst>
           </p:cNvPr>
@@ -9663,7 +9663,7 @@
                 <a16:creationId xmlns:a16="http://schemas.microsoft.com/office/drawing/2014/main" id="{97C88FB1-7BD6-48D3-9B99-1098619F5246}"/>
               </a:ext>
               <a:ext uri="{C183D7F6-B498-43B3-948B-1728B52AA6E4}">
-                <adec:decorative xmlns:adec="http://schemas.microsoft.com/office/drawing/2017/decorative" xmlns="" val="1"/>
+                <adec:decorative xmlns="" xmlns:adec="http://schemas.microsoft.com/office/drawing/2017/decorative" val="1"/>
               </a:ext>
             </a:extLst>
           </p:cNvPr>
@@ -9804,7 +9804,7 @@
                 <a16:creationId xmlns:a16="http://schemas.microsoft.com/office/drawing/2014/main" id="{536ADC96-59CC-4670-BA80-757A11151BF9}"/>
               </a:ext>
               <a:ext uri="{C183D7F6-B498-43B3-948B-1728B52AA6E4}">
-                <adec:decorative xmlns:adec="http://schemas.microsoft.com/office/drawing/2017/decorative" xmlns="" val="1"/>
+                <adec:decorative xmlns="" xmlns:adec="http://schemas.microsoft.com/office/drawing/2017/decorative" val="1"/>
               </a:ext>
             </a:extLst>
           </p:cNvPr>
@@ -9945,7 +9945,7 @@
                 <a16:creationId xmlns:a16="http://schemas.microsoft.com/office/drawing/2014/main" id="{DEC705E3-5BBB-4173-AAF5-E12991B7D59F}"/>
               </a:ext>
               <a:ext uri="{C183D7F6-B498-43B3-948B-1728B52AA6E4}">
-                <adec:decorative xmlns:adec="http://schemas.microsoft.com/office/drawing/2017/decorative" xmlns="" val="1"/>
+                <adec:decorative xmlns="" xmlns:adec="http://schemas.microsoft.com/office/drawing/2017/decorative" val="1"/>
               </a:ext>
             </a:extLst>
           </p:cNvPr>
@@ -10212,7 +10212,7 @@
                 <a16:creationId xmlns:a16="http://schemas.microsoft.com/office/drawing/2014/main" id="{ED3BCD03-2F61-469D-A4B4-1B61BB21D364}"/>
               </a:ext>
               <a:ext uri="{C183D7F6-B498-43B3-948B-1728B52AA6E4}">
-                <adec:decorative xmlns:adec="http://schemas.microsoft.com/office/drawing/2017/decorative" xmlns="" val="1"/>
+                <adec:decorative xmlns="" xmlns:adec="http://schemas.microsoft.com/office/drawing/2017/decorative" val="1"/>
               </a:ext>
             </a:extLst>
           </p:cNvPr>
@@ -10302,7 +10302,7 @@
                 <a16:creationId xmlns:a16="http://schemas.microsoft.com/office/drawing/2014/main" id="{97C88FB1-7BD6-48D3-9B99-1098619F5246}"/>
               </a:ext>
               <a:ext uri="{C183D7F6-B498-43B3-948B-1728B52AA6E4}">
-                <adec:decorative xmlns:adec="http://schemas.microsoft.com/office/drawing/2017/decorative" xmlns="" val="1"/>
+                <adec:decorative xmlns="" xmlns:adec="http://schemas.microsoft.com/office/drawing/2017/decorative" val="1"/>
               </a:ext>
             </a:extLst>
           </p:cNvPr>
@@ -10443,7 +10443,7 @@
                 <a16:creationId xmlns:a16="http://schemas.microsoft.com/office/drawing/2014/main" id="{536ADC96-59CC-4670-BA80-757A11151BF9}"/>
               </a:ext>
               <a:ext uri="{C183D7F6-B498-43B3-948B-1728B52AA6E4}">
-                <adec:decorative xmlns:adec="http://schemas.microsoft.com/office/drawing/2017/decorative" xmlns="" val="1"/>
+                <adec:decorative xmlns="" xmlns:adec="http://schemas.microsoft.com/office/drawing/2017/decorative" val="1"/>
               </a:ext>
             </a:extLst>
           </p:cNvPr>
@@ -10584,7 +10584,7 @@
                 <a16:creationId xmlns:a16="http://schemas.microsoft.com/office/drawing/2014/main" id="{DEC705E3-5BBB-4173-AAF5-E12991B7D59F}"/>
               </a:ext>
               <a:ext uri="{C183D7F6-B498-43B3-948B-1728B52AA6E4}">
-                <adec:decorative xmlns:adec="http://schemas.microsoft.com/office/drawing/2017/decorative" xmlns="" val="1"/>
+                <adec:decorative xmlns="" xmlns:adec="http://schemas.microsoft.com/office/drawing/2017/decorative" val="1"/>
               </a:ext>
             </a:extLst>
           </p:cNvPr>
@@ -10851,7 +10851,7 @@
                 <a16:creationId xmlns:a16="http://schemas.microsoft.com/office/drawing/2014/main" id="{F8C81323-B9A7-416C-ADF9-5BE9CC234E80}"/>
               </a:ext>
               <a:ext uri="{C183D7F6-B498-43B3-948B-1728B52AA6E4}">
-                <adec:decorative xmlns:adec="http://schemas.microsoft.com/office/drawing/2017/decorative" xmlns="" val="1"/>
+                <adec:decorative xmlns="" xmlns:adec="http://schemas.microsoft.com/office/drawing/2017/decorative" val="1"/>
               </a:ext>
             </a:extLst>
           </p:cNvPr>
@@ -10890,7 +10890,7 @@
                 <a16:creationId xmlns:a16="http://schemas.microsoft.com/office/drawing/2014/main" id="{97C88FB1-7BD6-48D3-9B99-1098619F5246}"/>
               </a:ext>
               <a:ext uri="{C183D7F6-B498-43B3-948B-1728B52AA6E4}">
-                <adec:decorative xmlns:adec="http://schemas.microsoft.com/office/drawing/2017/decorative" xmlns="" val="1"/>
+                <adec:decorative xmlns="" xmlns:adec="http://schemas.microsoft.com/office/drawing/2017/decorative" val="1"/>
               </a:ext>
             </a:extLst>
           </p:cNvPr>
@@ -11067,7 +11067,7 @@
                 <a16:creationId xmlns:a16="http://schemas.microsoft.com/office/drawing/2014/main" id="{536ADC96-59CC-4670-BA80-757A11151BF9}"/>
               </a:ext>
               <a:ext uri="{C183D7F6-B498-43B3-948B-1728B52AA6E4}">
-                <adec:decorative xmlns:adec="http://schemas.microsoft.com/office/drawing/2017/decorative" xmlns="" val="1"/>
+                <adec:decorative xmlns="" xmlns:adec="http://schemas.microsoft.com/office/drawing/2017/decorative" val="1"/>
               </a:ext>
             </a:extLst>
           </p:cNvPr>
@@ -11244,7 +11244,7 @@
                 <a16:creationId xmlns:a16="http://schemas.microsoft.com/office/drawing/2014/main" id="{DEC705E3-5BBB-4173-AAF5-E12991B7D59F}"/>
               </a:ext>
               <a:ext uri="{C183D7F6-B498-43B3-948B-1728B52AA6E4}">
-                <adec:decorative xmlns:adec="http://schemas.microsoft.com/office/drawing/2017/decorative" xmlns="" val="1"/>
+                <adec:decorative xmlns="" xmlns:adec="http://schemas.microsoft.com/office/drawing/2017/decorative" val="1"/>
               </a:ext>
             </a:extLst>
           </p:cNvPr>
@@ -11462,7 +11462,7 @@
                 <a16:creationId xmlns:a16="http://schemas.microsoft.com/office/drawing/2014/main" id="{B67500C0-6D58-4DF1-8F3C-58EFF359ECA6}"/>
               </a:ext>
               <a:ext uri="{C183D7F6-B498-43B3-948B-1728B52AA6E4}">
-                <adec:decorative xmlns:adec="http://schemas.microsoft.com/office/drawing/2017/decorative" xmlns="" val="1"/>
+                <adec:decorative xmlns="" xmlns:adec="http://schemas.microsoft.com/office/drawing/2017/decorative" val="1"/>
               </a:ext>
             </a:extLst>
           </p:cNvPr>
@@ -11485,7 +11485,7 @@
                   <a16:creationId xmlns:a16="http://schemas.microsoft.com/office/drawing/2014/main" id="{7D9831B3-B423-413E-89D0-129775480B70}"/>
                 </a:ext>
                 <a:ext uri="{C183D7F6-B498-43B3-948B-1728B52AA6E4}">
-                  <adec:decorative xmlns:adec="http://schemas.microsoft.com/office/drawing/2017/decorative" xmlns="" val="1"/>
+                  <adec:decorative xmlns="" xmlns:adec="http://schemas.microsoft.com/office/drawing/2017/decorative" val="1"/>
                 </a:ext>
               </a:extLst>
             </p:cNvPr>
@@ -11524,7 +11524,7 @@
                   <a16:creationId xmlns:a16="http://schemas.microsoft.com/office/drawing/2014/main" id="{747EDC26-917A-4143-823B-A7407C3FC37D}"/>
                 </a:ext>
                 <a:ext uri="{C183D7F6-B498-43B3-948B-1728B52AA6E4}">
-                  <adec:decorative xmlns:adec="http://schemas.microsoft.com/office/drawing/2017/decorative" xmlns="" val="1"/>
+                  <adec:decorative xmlns="" xmlns:adec="http://schemas.microsoft.com/office/drawing/2017/decorative" val="1"/>
                 </a:ext>
               </a:extLst>
             </p:cNvPr>
@@ -11649,7 +11649,7 @@
                 <a16:creationId xmlns:a16="http://schemas.microsoft.com/office/drawing/2014/main" id="{97C88FB1-7BD6-48D3-9B99-1098619F5246}"/>
               </a:ext>
               <a:ext uri="{C183D7F6-B498-43B3-948B-1728B52AA6E4}">
-                <adec:decorative xmlns:adec="http://schemas.microsoft.com/office/drawing/2017/decorative" xmlns="" val="1"/>
+                <adec:decorative xmlns="" xmlns:adec="http://schemas.microsoft.com/office/drawing/2017/decorative" val="1"/>
               </a:ext>
             </a:extLst>
           </p:cNvPr>
@@ -11934,7 +11934,7 @@
                 <a16:creationId xmlns:a16="http://schemas.microsoft.com/office/drawing/2014/main" id="{536ADC96-59CC-4670-BA80-757A11151BF9}"/>
               </a:ext>
               <a:ext uri="{C183D7F6-B498-43B3-948B-1728B52AA6E4}">
-                <adec:decorative xmlns:adec="http://schemas.microsoft.com/office/drawing/2017/decorative" xmlns="" val="1"/>
+                <adec:decorative xmlns="" xmlns:adec="http://schemas.microsoft.com/office/drawing/2017/decorative" val="1"/>
               </a:ext>
             </a:extLst>
           </p:cNvPr>
@@ -12219,7 +12219,7 @@
                 <a16:creationId xmlns:a16="http://schemas.microsoft.com/office/drawing/2014/main" id="{DEC705E3-5BBB-4173-AAF5-E12991B7D59F}"/>
               </a:ext>
               <a:ext uri="{C183D7F6-B498-43B3-948B-1728B52AA6E4}">
-                <adec:decorative xmlns:adec="http://schemas.microsoft.com/office/drawing/2017/decorative" xmlns="" val="1"/>
+                <adec:decorative xmlns="" xmlns:adec="http://schemas.microsoft.com/office/drawing/2017/decorative" val="1"/>
               </a:ext>
             </a:extLst>
           </p:cNvPr>
@@ -12630,7 +12630,7 @@
                 <a16:creationId xmlns:a16="http://schemas.microsoft.com/office/drawing/2014/main" id="{4A7FD274-6B14-4547-8F81-35EB1030AF5A}"/>
               </a:ext>
               <a:ext uri="{C183D7F6-B498-43B3-948B-1728B52AA6E4}">
-                <adec:decorative xmlns:adec="http://schemas.microsoft.com/office/drawing/2017/decorative" xmlns="" val="1"/>
+                <adec:decorative xmlns="" xmlns:adec="http://schemas.microsoft.com/office/drawing/2017/decorative" val="1"/>
               </a:ext>
             </a:extLst>
           </p:cNvPr>
@@ -12669,7 +12669,7 @@
                 <a16:creationId xmlns:a16="http://schemas.microsoft.com/office/drawing/2014/main" id="{A644AF2C-FFDC-4661-BF6B-D208E5E816FA}"/>
               </a:ext>
               <a:ext uri="{C183D7F6-B498-43B3-948B-1728B52AA6E4}">
-                <adec:decorative xmlns:adec="http://schemas.microsoft.com/office/drawing/2017/decorative" xmlns="" val="1"/>
+                <adec:decorative xmlns="" xmlns:adec="http://schemas.microsoft.com/office/drawing/2017/decorative" val="1"/>
               </a:ext>
             </a:extLst>
           </p:cNvPr>
@@ -12827,7 +12827,7 @@
                 <a16:creationId xmlns:a16="http://schemas.microsoft.com/office/drawing/2014/main" id="{B777B55C-601A-4296-A013-0704520C9933}"/>
               </a:ext>
               <a:ext uri="{C183D7F6-B498-43B3-948B-1728B52AA6E4}">
-                <adec:decorative xmlns:adec="http://schemas.microsoft.com/office/drawing/2017/decorative" xmlns="" val="1"/>
+                <adec:decorative xmlns="" xmlns:adec="http://schemas.microsoft.com/office/drawing/2017/decorative" val="1"/>
               </a:ext>
             </a:extLst>
           </p:cNvPr>
@@ -12985,7 +12985,7 @@
                 <a16:creationId xmlns:a16="http://schemas.microsoft.com/office/drawing/2014/main" id="{E03CC3B4-6BE1-41D3-B04E-E0C023B529E1}"/>
               </a:ext>
               <a:ext uri="{C183D7F6-B498-43B3-948B-1728B52AA6E4}">
-                <adec:decorative xmlns:adec="http://schemas.microsoft.com/office/drawing/2017/decorative" xmlns="" val="1"/>
+                <adec:decorative xmlns="" xmlns:adec="http://schemas.microsoft.com/office/drawing/2017/decorative" val="1"/>
               </a:ext>
             </a:extLst>
           </p:cNvPr>
@@ -13366,7 +13366,7 @@
                 <a16:creationId xmlns:a16="http://schemas.microsoft.com/office/drawing/2014/main" id="{0D082EC7-0F32-4BFC-8B4A-CF754ECE0188}"/>
               </a:ext>
               <a:ext uri="{C183D7F6-B498-43B3-948B-1728B52AA6E4}">
-                <adec:decorative xmlns:adec="http://schemas.microsoft.com/office/drawing/2017/decorative" xmlns="" val="1"/>
+                <adec:decorative xmlns="" xmlns:adec="http://schemas.microsoft.com/office/drawing/2017/decorative" val="1"/>
               </a:ext>
             </a:extLst>
           </p:cNvPr>
@@ -13528,7 +13528,7 @@
                 <a16:creationId xmlns:a16="http://schemas.microsoft.com/office/drawing/2014/main" id="{E75453ED-071C-4C2B-B7E5-A670D111A549}"/>
               </a:ext>
               <a:ext uri="{C183D7F6-B498-43B3-948B-1728B52AA6E4}">
-                <adec:decorative xmlns:adec="http://schemas.microsoft.com/office/drawing/2017/decorative" xmlns="" val="1"/>
+                <adec:decorative xmlns="" xmlns:adec="http://schemas.microsoft.com/office/drawing/2017/decorative" val="1"/>
               </a:ext>
             </a:extLst>
           </p:cNvPr>
@@ -14873,7 +14873,7 @@
                 <a16:creationId xmlns:a16="http://schemas.microsoft.com/office/drawing/2014/main" id="{D8CEDAC6-2953-4473-BCFC-2357BFF28452}"/>
               </a:ext>
               <a:ext uri="{C183D7F6-B498-43B3-948B-1728B52AA6E4}">
-                <adec:decorative xmlns:adec="http://schemas.microsoft.com/office/drawing/2017/decorative" xmlns="" val="1"/>
+                <adec:decorative xmlns="" xmlns:adec="http://schemas.microsoft.com/office/drawing/2017/decorative" val="1"/>
               </a:ext>
             </a:extLst>
           </p:cNvPr>
@@ -14912,7 +14912,7 @@
                 <a16:creationId xmlns:a16="http://schemas.microsoft.com/office/drawing/2014/main" id="{A644AF2C-FFDC-4661-BF6B-D208E5E816FA}"/>
               </a:ext>
               <a:ext uri="{C183D7F6-B498-43B3-948B-1728B52AA6E4}">
-                <adec:decorative xmlns:adec="http://schemas.microsoft.com/office/drawing/2017/decorative" xmlns="" val="1"/>
+                <adec:decorative xmlns="" xmlns:adec="http://schemas.microsoft.com/office/drawing/2017/decorative" val="1"/>
               </a:ext>
             </a:extLst>
           </p:cNvPr>
@@ -15070,7 +15070,7 @@
                 <a16:creationId xmlns:a16="http://schemas.microsoft.com/office/drawing/2014/main" id="{B777B55C-601A-4296-A013-0704520C9933}"/>
               </a:ext>
               <a:ext uri="{C183D7F6-B498-43B3-948B-1728B52AA6E4}">
-                <adec:decorative xmlns:adec="http://schemas.microsoft.com/office/drawing/2017/decorative" xmlns="" val="1"/>
+                <adec:decorative xmlns="" xmlns:adec="http://schemas.microsoft.com/office/drawing/2017/decorative" val="1"/>
               </a:ext>
             </a:extLst>
           </p:cNvPr>
@@ -15228,7 +15228,7 @@
                 <a16:creationId xmlns:a16="http://schemas.microsoft.com/office/drawing/2014/main" id="{E03CC3B4-6BE1-41D3-B04E-E0C023B529E1}"/>
               </a:ext>
               <a:ext uri="{C183D7F6-B498-43B3-948B-1728B52AA6E4}">
-                <adec:decorative xmlns:adec="http://schemas.microsoft.com/office/drawing/2017/decorative" xmlns="" val="1"/>
+                <adec:decorative xmlns="" xmlns:adec="http://schemas.microsoft.com/office/drawing/2017/decorative" val="1"/>
               </a:ext>
             </a:extLst>
           </p:cNvPr>
@@ -15386,7 +15386,7 @@
                 <a16:creationId xmlns:a16="http://schemas.microsoft.com/office/drawing/2014/main" id="{2537EBA4-2DD0-426E-A66E-7F0CC3C9A863}"/>
               </a:ext>
               <a:ext uri="{C183D7F6-B498-43B3-948B-1728B52AA6E4}">
-                <adec:decorative xmlns:adec="http://schemas.microsoft.com/office/drawing/2017/decorative" xmlns="" val="1"/>
+                <adec:decorative xmlns="" xmlns:adec="http://schemas.microsoft.com/office/drawing/2017/decorative" val="1"/>
               </a:ext>
             </a:extLst>
           </p:cNvPr>
@@ -15544,7 +15544,7 @@
                 <a16:creationId xmlns:a16="http://schemas.microsoft.com/office/drawing/2014/main" id="{C2DF48EF-CB9B-4DEC-A978-BD4C5E8A371A}"/>
               </a:ext>
               <a:ext uri="{C183D7F6-B498-43B3-948B-1728B52AA6E4}">
-                <adec:decorative xmlns:adec="http://schemas.microsoft.com/office/drawing/2017/decorative" xmlns="" val="1"/>
+                <adec:decorative xmlns="" xmlns:adec="http://schemas.microsoft.com/office/drawing/2017/decorative" val="1"/>
               </a:ext>
             </a:extLst>
           </p:cNvPr>
@@ -15702,7 +15702,7 @@
                 <a16:creationId xmlns:a16="http://schemas.microsoft.com/office/drawing/2014/main" id="{F1E0B4C9-22CB-4378-B9DD-C97CC3CC37D3}"/>
               </a:ext>
               <a:ext uri="{C183D7F6-B498-43B3-948B-1728B52AA6E4}">
-                <adec:decorative xmlns:adec="http://schemas.microsoft.com/office/drawing/2017/decorative" xmlns="" val="1"/>
+                <adec:decorative xmlns="" xmlns:adec="http://schemas.microsoft.com/office/drawing/2017/decorative" val="1"/>
               </a:ext>
             </a:extLst>
           </p:cNvPr>
@@ -15986,7 +15986,7 @@
                 <a16:creationId xmlns:a16="http://schemas.microsoft.com/office/drawing/2014/main" id="{DA5B3212-A91F-4308-A973-316F80A6A0B3}"/>
               </a:ext>
               <a:ext uri="{C183D7F6-B498-43B3-948B-1728B52AA6E4}">
-                <adec:decorative xmlns:adec="http://schemas.microsoft.com/office/drawing/2017/decorative" xmlns="" val="1"/>
+                <adec:decorative xmlns="" xmlns:adec="http://schemas.microsoft.com/office/drawing/2017/decorative" val="1"/>
               </a:ext>
             </a:extLst>
           </p:cNvPr>
@@ -16586,7 +16586,7 @@
                 <a16:creationId xmlns:a16="http://schemas.microsoft.com/office/drawing/2014/main" id="{DFFC9D1B-8040-4CD3-B060-07560FFB49A0}"/>
               </a:ext>
               <a:ext uri="{C183D7F6-B498-43B3-948B-1728B52AA6E4}">
-                <adec:decorative xmlns:adec="http://schemas.microsoft.com/office/drawing/2017/decorative" xmlns="" val="1"/>
+                <adec:decorative xmlns="" xmlns:adec="http://schemas.microsoft.com/office/drawing/2017/decorative" val="1"/>
               </a:ext>
             </a:extLst>
           </p:cNvPr>
@@ -17728,7 +17728,7 @@
                 <a16:creationId xmlns:a16="http://schemas.microsoft.com/office/drawing/2014/main" id="{59FB098F-E843-4BDC-8C23-7C327B2DE964}"/>
               </a:ext>
               <a:ext uri="{C183D7F6-B498-43B3-948B-1728B52AA6E4}">
-                <adec:decorative xmlns:adec="http://schemas.microsoft.com/office/drawing/2017/decorative" xmlns="" val="1"/>
+                <adec:decorative xmlns="" xmlns:adec="http://schemas.microsoft.com/office/drawing/2017/decorative" val="1"/>
               </a:ext>
             </a:extLst>
           </p:cNvPr>
@@ -17859,7 +17859,7 @@
                 <a16:creationId xmlns:a16="http://schemas.microsoft.com/office/drawing/2014/main" id="{97C88FB1-7BD6-48D3-9B99-1098619F5246}"/>
               </a:ext>
               <a:ext uri="{C183D7F6-B498-43B3-948B-1728B52AA6E4}">
-                <adec:decorative xmlns:adec="http://schemas.microsoft.com/office/drawing/2017/decorative" xmlns="" val="1"/>
+                <adec:decorative xmlns="" xmlns:adec="http://schemas.microsoft.com/office/drawing/2017/decorative" val="1"/>
               </a:ext>
             </a:extLst>
           </p:cNvPr>
@@ -17959,7 +17959,7 @@
                 <a16:creationId xmlns:a16="http://schemas.microsoft.com/office/drawing/2014/main" id="{536ADC96-59CC-4670-BA80-757A11151BF9}"/>
               </a:ext>
               <a:ext uri="{C183D7F6-B498-43B3-948B-1728B52AA6E4}">
-                <adec:decorative xmlns:adec="http://schemas.microsoft.com/office/drawing/2017/decorative" xmlns="" val="1"/>
+                <adec:decorative xmlns="" xmlns:adec="http://schemas.microsoft.com/office/drawing/2017/decorative" val="1"/>
               </a:ext>
             </a:extLst>
           </p:cNvPr>
@@ -18059,7 +18059,7 @@
                 <a16:creationId xmlns:a16="http://schemas.microsoft.com/office/drawing/2014/main" id="{DEC705E3-5BBB-4173-AAF5-E12991B7D59F}"/>
               </a:ext>
               <a:ext uri="{C183D7F6-B498-43B3-948B-1728B52AA6E4}">
-                <adec:decorative xmlns:adec="http://schemas.microsoft.com/office/drawing/2017/decorative" xmlns="" val="1"/>
+                <adec:decorative xmlns="" xmlns:adec="http://schemas.microsoft.com/office/drawing/2017/decorative" val="1"/>
               </a:ext>
             </a:extLst>
           </p:cNvPr>
@@ -18159,7 +18159,7 @@
                 <a16:creationId xmlns:a16="http://schemas.microsoft.com/office/drawing/2014/main" id="{3225055C-7E4D-4C57-84DA-4F32CFEE666E}"/>
               </a:ext>
               <a:ext uri="{C183D7F6-B498-43B3-948B-1728B52AA6E4}">
-                <adec:decorative xmlns:adec="http://schemas.microsoft.com/office/drawing/2017/decorative" xmlns="" val="1"/>
+                <adec:decorative xmlns="" xmlns:adec="http://schemas.microsoft.com/office/drawing/2017/decorative" val="1"/>
               </a:ext>
             </a:extLst>
           </p:cNvPr>
@@ -18300,7 +18300,7 @@
                 <a16:creationId xmlns:a16="http://schemas.microsoft.com/office/drawing/2014/main" id="{0708DD83-40E9-4CDD-ADF1-464460D88C82}"/>
               </a:ext>
               <a:ext uri="{C183D7F6-B498-43B3-948B-1728B52AA6E4}">
-                <adec:decorative xmlns:adec="http://schemas.microsoft.com/office/drawing/2017/decorative" xmlns="" val="1"/>
+                <adec:decorative xmlns="" xmlns:adec="http://schemas.microsoft.com/office/drawing/2017/decorative" val="1"/>
               </a:ext>
             </a:extLst>
           </p:cNvPr>
@@ -18323,7 +18323,7 @@
                   <a16:creationId xmlns:a16="http://schemas.microsoft.com/office/drawing/2014/main" id="{81AD1A9F-B900-4260-B582-AC445A80FAD0}"/>
                 </a:ext>
                 <a:ext uri="{C183D7F6-B498-43B3-948B-1728B52AA6E4}">
-                  <adec:decorative xmlns:adec="http://schemas.microsoft.com/office/drawing/2017/decorative" xmlns="" val="1"/>
+                  <adec:decorative xmlns="" xmlns:adec="http://schemas.microsoft.com/office/drawing/2017/decorative" val="1"/>
                 </a:ext>
               </a:extLst>
             </p:cNvPr>
@@ -18362,7 +18362,7 @@
                   <a16:creationId xmlns:a16="http://schemas.microsoft.com/office/drawing/2014/main" id="{B4D28540-5567-49EC-BB23-4B27A199DFB1}"/>
                 </a:ext>
                 <a:ext uri="{C183D7F6-B498-43B3-948B-1728B52AA6E4}">
-                  <adec:decorative xmlns:adec="http://schemas.microsoft.com/office/drawing/2017/decorative" xmlns="" val="1"/>
+                  <adec:decorative xmlns="" xmlns:adec="http://schemas.microsoft.com/office/drawing/2017/decorative" val="1"/>
                 </a:ext>
               </a:extLst>
             </p:cNvPr>
@@ -18487,7 +18487,7 @@
                 <a16:creationId xmlns:a16="http://schemas.microsoft.com/office/drawing/2014/main" id="{97C88FB1-7BD6-48D3-9B99-1098619F5246}"/>
               </a:ext>
               <a:ext uri="{C183D7F6-B498-43B3-948B-1728B52AA6E4}">
-                <adec:decorative xmlns:adec="http://schemas.microsoft.com/office/drawing/2017/decorative" xmlns="" val="1"/>
+                <adec:decorative xmlns="" xmlns:adec="http://schemas.microsoft.com/office/drawing/2017/decorative" val="1"/>
               </a:ext>
             </a:extLst>
           </p:cNvPr>
@@ -18725,7 +18725,7 @@
                 <a16:creationId xmlns:a16="http://schemas.microsoft.com/office/drawing/2014/main" id="{536ADC96-59CC-4670-BA80-757A11151BF9}"/>
               </a:ext>
               <a:ext uri="{C183D7F6-B498-43B3-948B-1728B52AA6E4}">
-                <adec:decorative xmlns:adec="http://schemas.microsoft.com/office/drawing/2017/decorative" xmlns="" val="1"/>
+                <adec:decorative xmlns="" xmlns:adec="http://schemas.microsoft.com/office/drawing/2017/decorative" val="1"/>
               </a:ext>
             </a:extLst>
           </p:cNvPr>
@@ -18963,7 +18963,7 @@
                 <a16:creationId xmlns:a16="http://schemas.microsoft.com/office/drawing/2014/main" id="{DEC705E3-5BBB-4173-AAF5-E12991B7D59F}"/>
               </a:ext>
               <a:ext uri="{C183D7F6-B498-43B3-948B-1728B52AA6E4}">
-                <adec:decorative xmlns:adec="http://schemas.microsoft.com/office/drawing/2017/decorative" xmlns="" val="1"/>
+                <adec:decorative xmlns="" xmlns:adec="http://schemas.microsoft.com/office/drawing/2017/decorative" val="1"/>
               </a:ext>
             </a:extLst>
           </p:cNvPr>
@@ -19201,7 +19201,7 @@
                 <a16:creationId xmlns:a16="http://schemas.microsoft.com/office/drawing/2014/main" id="{3225055C-7E4D-4C57-84DA-4F32CFEE666E}"/>
               </a:ext>
               <a:ext uri="{C183D7F6-B498-43B3-948B-1728B52AA6E4}">
-                <adec:decorative xmlns:adec="http://schemas.microsoft.com/office/drawing/2017/decorative" xmlns="" val="1"/>
+                <adec:decorative xmlns="" xmlns:adec="http://schemas.microsoft.com/office/drawing/2017/decorative" val="1"/>
               </a:ext>
             </a:extLst>
           </p:cNvPr>
@@ -19480,7 +19480,7 @@
                 <a16:creationId xmlns:a16="http://schemas.microsoft.com/office/drawing/2014/main" id="{28F246DA-91CA-4502-BC7A-2F8E9D697FB1}"/>
               </a:ext>
               <a:ext uri="{C183D7F6-B498-43B3-948B-1728B52AA6E4}">
-                <adec:decorative xmlns:adec="http://schemas.microsoft.com/office/drawing/2017/decorative" xmlns="" val="1"/>
+                <adec:decorative xmlns="" xmlns:adec="http://schemas.microsoft.com/office/drawing/2017/decorative" val="1"/>
               </a:ext>
             </a:extLst>
           </p:cNvPr>
@@ -19503,7 +19503,7 @@
                   <a16:creationId xmlns:a16="http://schemas.microsoft.com/office/drawing/2014/main" id="{4AA958CB-79BC-4221-AF92-52A941BCA870}"/>
                 </a:ext>
                 <a:ext uri="{C183D7F6-B498-43B3-948B-1728B52AA6E4}">
-                  <adec:decorative xmlns:adec="http://schemas.microsoft.com/office/drawing/2017/decorative" xmlns="" val="1"/>
+                  <adec:decorative xmlns="" xmlns:adec="http://schemas.microsoft.com/office/drawing/2017/decorative" val="1"/>
                 </a:ext>
               </a:extLst>
             </p:cNvPr>
@@ -19542,7 +19542,7 @@
                   <a16:creationId xmlns:a16="http://schemas.microsoft.com/office/drawing/2014/main" id="{B776EBEE-87DA-49C8-A876-AA9E9DCA162E}"/>
                 </a:ext>
                 <a:ext uri="{C183D7F6-B498-43B3-948B-1728B52AA6E4}">
-                  <adec:decorative xmlns:adec="http://schemas.microsoft.com/office/drawing/2017/decorative" xmlns="" val="1"/>
+                  <adec:decorative xmlns="" xmlns:adec="http://schemas.microsoft.com/office/drawing/2017/decorative" val="1"/>
                 </a:ext>
               </a:extLst>
             </p:cNvPr>
@@ -19667,7 +19667,7 @@
                 <a16:creationId xmlns:a16="http://schemas.microsoft.com/office/drawing/2014/main" id="{BA2767B8-F34C-4600-8F4B-21C0CDFE578E}"/>
               </a:ext>
               <a:ext uri="{C183D7F6-B498-43B3-948B-1728B52AA6E4}">
-                <adec:decorative xmlns:adec="http://schemas.microsoft.com/office/drawing/2017/decorative" xmlns="" val="1"/>
+                <adec:decorative xmlns="" xmlns:adec="http://schemas.microsoft.com/office/drawing/2017/decorative" val="1"/>
               </a:ext>
             </a:extLst>
           </p:cNvPr>
@@ -19827,7 +19827,7 @@
                 <a16:creationId xmlns:a16="http://schemas.microsoft.com/office/drawing/2014/main" id="{0CE211BC-1E62-4A42-A199-9B1FBAD2CE23}"/>
               </a:ext>
               <a:ext uri="{C183D7F6-B498-43B3-948B-1728B52AA6E4}">
-                <adec:decorative xmlns:adec="http://schemas.microsoft.com/office/drawing/2017/decorative" xmlns="" val="1"/>
+                <adec:decorative xmlns="" xmlns:adec="http://schemas.microsoft.com/office/drawing/2017/decorative" val="1"/>
               </a:ext>
             </a:extLst>
           </p:cNvPr>
@@ -19987,7 +19987,7 @@
                 <a16:creationId xmlns:a16="http://schemas.microsoft.com/office/drawing/2014/main" id="{815CD5D2-790A-41FA-B807-B7B212763D05}"/>
               </a:ext>
               <a:ext uri="{C183D7F6-B498-43B3-948B-1728B52AA6E4}">
-                <adec:decorative xmlns:adec="http://schemas.microsoft.com/office/drawing/2017/decorative" xmlns="" val="1"/>
+                <adec:decorative xmlns="" xmlns:adec="http://schemas.microsoft.com/office/drawing/2017/decorative" val="1"/>
               </a:ext>
             </a:extLst>
           </p:cNvPr>
@@ -20147,7 +20147,7 @@
                 <a16:creationId xmlns:a16="http://schemas.microsoft.com/office/drawing/2014/main" id="{1D19D589-0526-4B91-878C-8F5B57AFE6B1}"/>
               </a:ext>
               <a:ext uri="{C183D7F6-B498-43B3-948B-1728B52AA6E4}">
-                <adec:decorative xmlns:adec="http://schemas.microsoft.com/office/drawing/2017/decorative" xmlns="" val="1"/>
+                <adec:decorative xmlns="" xmlns:adec="http://schemas.microsoft.com/office/drawing/2017/decorative" val="1"/>
               </a:ext>
             </a:extLst>
           </p:cNvPr>
@@ -20359,7 +20359,7 @@
                 <a16:creationId xmlns:a16="http://schemas.microsoft.com/office/drawing/2014/main" id="{C2DB4ABF-FC80-43CA-AA01-B072E9DC200B}"/>
               </a:ext>
               <a:ext uri="{C183D7F6-B498-43B3-948B-1728B52AA6E4}">
-                <adec:decorative xmlns:adec="http://schemas.microsoft.com/office/drawing/2017/decorative" xmlns="" val="1"/>
+                <adec:decorative xmlns="" xmlns:adec="http://schemas.microsoft.com/office/drawing/2017/decorative" val="1"/>
               </a:ext>
             </a:extLst>
           </p:cNvPr>
@@ -20382,7 +20382,7 @@
                   <a16:creationId xmlns:a16="http://schemas.microsoft.com/office/drawing/2014/main" id="{F6D00736-4E44-4617-83F3-B5A93F28ED82}"/>
                 </a:ext>
                 <a:ext uri="{C183D7F6-B498-43B3-948B-1728B52AA6E4}">
-                  <adec:decorative xmlns:adec="http://schemas.microsoft.com/office/drawing/2017/decorative" xmlns="" val="1"/>
+                  <adec:decorative xmlns="" xmlns:adec="http://schemas.microsoft.com/office/drawing/2017/decorative" val="1"/>
                 </a:ext>
               </a:extLst>
             </p:cNvPr>
@@ -20421,7 +20421,7 @@
                   <a16:creationId xmlns:a16="http://schemas.microsoft.com/office/drawing/2014/main" id="{37E98482-26B4-4B27-9672-386980590A81}"/>
                 </a:ext>
                 <a:ext uri="{C183D7F6-B498-43B3-948B-1728B52AA6E4}">
-                  <adec:decorative xmlns:adec="http://schemas.microsoft.com/office/drawing/2017/decorative" xmlns="" val="1"/>
+                  <adec:decorative xmlns="" xmlns:adec="http://schemas.microsoft.com/office/drawing/2017/decorative" val="1"/>
                 </a:ext>
               </a:extLst>
             </p:cNvPr>
@@ -20546,7 +20546,7 @@
                 <a16:creationId xmlns:a16="http://schemas.microsoft.com/office/drawing/2014/main" id="{97C88FB1-7BD6-48D3-9B99-1098619F5246}"/>
               </a:ext>
               <a:ext uri="{C183D7F6-B498-43B3-948B-1728B52AA6E4}">
-                <adec:decorative xmlns:adec="http://schemas.microsoft.com/office/drawing/2017/decorative" xmlns="" val="1"/>
+                <adec:decorative xmlns="" xmlns:adec="http://schemas.microsoft.com/office/drawing/2017/decorative" val="1"/>
               </a:ext>
             </a:extLst>
           </p:cNvPr>
@@ -20686,7 +20686,7 @@
                 <a16:creationId xmlns:a16="http://schemas.microsoft.com/office/drawing/2014/main" id="{536ADC96-59CC-4670-BA80-757A11151BF9}"/>
               </a:ext>
               <a:ext uri="{C183D7F6-B498-43B3-948B-1728B52AA6E4}">
-                <adec:decorative xmlns:adec="http://schemas.microsoft.com/office/drawing/2017/decorative" xmlns="" val="1"/>
+                <adec:decorative xmlns="" xmlns:adec="http://schemas.microsoft.com/office/drawing/2017/decorative" val="1"/>
               </a:ext>
             </a:extLst>
           </p:cNvPr>
@@ -20826,7 +20826,7 @@
                 <a16:creationId xmlns:a16="http://schemas.microsoft.com/office/drawing/2014/main" id="{DEC705E3-5BBB-4173-AAF5-E12991B7D59F}"/>
               </a:ext>
               <a:ext uri="{C183D7F6-B498-43B3-948B-1728B52AA6E4}">
-                <adec:decorative xmlns:adec="http://schemas.microsoft.com/office/drawing/2017/decorative" xmlns="" val="1"/>
+                <adec:decorative xmlns="" xmlns:adec="http://schemas.microsoft.com/office/drawing/2017/decorative" val="1"/>
               </a:ext>
             </a:extLst>
           </p:cNvPr>
@@ -20966,7 +20966,7 @@
                 <a16:creationId xmlns:a16="http://schemas.microsoft.com/office/drawing/2014/main" id="{3225055C-7E4D-4C57-84DA-4F32CFEE666E}"/>
               </a:ext>
               <a:ext uri="{C183D7F6-B498-43B3-948B-1728B52AA6E4}">
-                <adec:decorative xmlns:adec="http://schemas.microsoft.com/office/drawing/2017/decorative" xmlns="" val="1"/>
+                <adec:decorative xmlns="" xmlns:adec="http://schemas.microsoft.com/office/drawing/2017/decorative" val="1"/>
               </a:ext>
             </a:extLst>
           </p:cNvPr>
@@ -21147,7 +21147,7 @@
                 <a16:creationId xmlns:a16="http://schemas.microsoft.com/office/drawing/2014/main" id="{E5E62986-2CB5-4C74-BFA0-36B722DD633C}"/>
               </a:ext>
               <a:ext uri="{C183D7F6-B498-43B3-948B-1728B52AA6E4}">
-                <adec:decorative xmlns:adec="http://schemas.microsoft.com/office/drawing/2017/decorative" xmlns="" val="1"/>
+                <adec:decorative xmlns="" xmlns:adec="http://schemas.microsoft.com/office/drawing/2017/decorative" val="1"/>
               </a:ext>
             </a:extLst>
           </p:cNvPr>
@@ -21271,7 +21271,7 @@
                 <a16:creationId xmlns:a16="http://schemas.microsoft.com/office/drawing/2014/main" id="{BA2767B8-F34C-4600-8F4B-21C0CDFE578E}"/>
               </a:ext>
               <a:ext uri="{C183D7F6-B498-43B3-948B-1728B52AA6E4}">
-                <adec:decorative xmlns:adec="http://schemas.microsoft.com/office/drawing/2017/decorative" xmlns="" val="1"/>
+                <adec:decorative xmlns="" xmlns:adec="http://schemas.microsoft.com/office/drawing/2017/decorative" val="1"/>
               </a:ext>
             </a:extLst>
           </p:cNvPr>
@@ -21369,7 +21369,7 @@
                 <a16:creationId xmlns:a16="http://schemas.microsoft.com/office/drawing/2014/main" id="{0CE211BC-1E62-4A42-A199-9B1FBAD2CE23}"/>
               </a:ext>
               <a:ext uri="{C183D7F6-B498-43B3-948B-1728B52AA6E4}">
-                <adec:decorative xmlns:adec="http://schemas.microsoft.com/office/drawing/2017/decorative" xmlns="" val="1"/>
+                <adec:decorative xmlns="" xmlns:adec="http://schemas.microsoft.com/office/drawing/2017/decorative" val="1"/>
               </a:ext>
             </a:extLst>
           </p:cNvPr>
@@ -21467,7 +21467,7 @@
                 <a16:creationId xmlns:a16="http://schemas.microsoft.com/office/drawing/2014/main" id="{815CD5D2-790A-41FA-B807-B7B212763D05}"/>
               </a:ext>
               <a:ext uri="{C183D7F6-B498-43B3-948B-1728B52AA6E4}">
-                <adec:decorative xmlns:adec="http://schemas.microsoft.com/office/drawing/2017/decorative" xmlns="" val="1"/>
+                <adec:decorative xmlns="" xmlns:adec="http://schemas.microsoft.com/office/drawing/2017/decorative" val="1"/>
               </a:ext>
             </a:extLst>
           </p:cNvPr>
@@ -21565,7 +21565,7 @@
                 <a16:creationId xmlns:a16="http://schemas.microsoft.com/office/drawing/2014/main" id="{1D19D589-0526-4B91-878C-8F5B57AFE6B1}"/>
               </a:ext>
               <a:ext uri="{C183D7F6-B498-43B3-948B-1728B52AA6E4}">
-                <adec:decorative xmlns:adec="http://schemas.microsoft.com/office/drawing/2017/decorative" xmlns="" val="1"/>
+                <adec:decorative xmlns="" xmlns:adec="http://schemas.microsoft.com/office/drawing/2017/decorative" val="1"/>
               </a:ext>
             </a:extLst>
           </p:cNvPr>
@@ -21663,7 +21663,7 @@
                 <a16:creationId xmlns:a16="http://schemas.microsoft.com/office/drawing/2014/main" id="{6A136B8D-0BEF-4C03-8B3C-BF95C65548B3}"/>
               </a:ext>
               <a:ext uri="{C183D7F6-B498-43B3-948B-1728B52AA6E4}">
-                <adec:decorative xmlns:adec="http://schemas.microsoft.com/office/drawing/2017/decorative" xmlns="" val="1"/>
+                <adec:decorative xmlns="" xmlns:adec="http://schemas.microsoft.com/office/drawing/2017/decorative" val="1"/>
               </a:ext>
             </a:extLst>
           </p:cNvPr>
@@ -21761,7 +21761,7 @@
                 <a16:creationId xmlns:a16="http://schemas.microsoft.com/office/drawing/2014/main" id="{AF549A83-F8CE-463B-9ED5-5A303AC8AC23}"/>
               </a:ext>
               <a:ext uri="{C183D7F6-B498-43B3-948B-1728B52AA6E4}">
-                <adec:decorative xmlns:adec="http://schemas.microsoft.com/office/drawing/2017/decorative" xmlns="" val="1"/>
+                <adec:decorative xmlns="" xmlns:adec="http://schemas.microsoft.com/office/drawing/2017/decorative" val="1"/>
               </a:ext>
             </a:extLst>
           </p:cNvPr>
@@ -21911,7 +21911,7 @@
                 <a16:creationId xmlns:a16="http://schemas.microsoft.com/office/drawing/2014/main" id="{E6549563-E04B-4657-8321-4C6934FCD322}"/>
               </a:ext>
               <a:ext uri="{C183D7F6-B498-43B3-948B-1728B52AA6E4}">
-                <adec:decorative xmlns:adec="http://schemas.microsoft.com/office/drawing/2017/decorative" xmlns="" val="1"/>
+                <adec:decorative xmlns="" xmlns:adec="http://schemas.microsoft.com/office/drawing/2017/decorative" val="1"/>
               </a:ext>
             </a:extLst>
           </p:cNvPr>
@@ -22035,7 +22035,7 @@
                 <a16:creationId xmlns:a16="http://schemas.microsoft.com/office/drawing/2014/main" id="{01E0569B-0304-4CF2-95FE-74EEAC9AEC38}"/>
               </a:ext>
               <a:ext uri="{C183D7F6-B498-43B3-948B-1728B52AA6E4}">
-                <adec:decorative xmlns:adec="http://schemas.microsoft.com/office/drawing/2017/decorative" xmlns="" val="1"/>
+                <adec:decorative xmlns="" xmlns:adec="http://schemas.microsoft.com/office/drawing/2017/decorative" val="1"/>
               </a:ext>
             </a:extLst>
           </p:cNvPr>
@@ -22082,7 +22082,7 @@
                 <a16:creationId xmlns:a16="http://schemas.microsoft.com/office/drawing/2014/main" id="{4E39BCC2-7E6B-49A6-88A7-4389D0876599}"/>
               </a:ext>
               <a:ext uri="{C183D7F6-B498-43B3-948B-1728B52AA6E4}">
-                <adec:decorative xmlns:adec="http://schemas.microsoft.com/office/drawing/2017/decorative" xmlns="" val="1"/>
+                <adec:decorative xmlns="" xmlns:adec="http://schemas.microsoft.com/office/drawing/2017/decorative" val="1"/>
               </a:ext>
             </a:extLst>
           </p:cNvPr>
@@ -22129,7 +22129,7 @@
                 <a16:creationId xmlns:a16="http://schemas.microsoft.com/office/drawing/2014/main" id="{292A7B23-5883-4A03-AA9E-D7887267A0B5}"/>
               </a:ext>
               <a:ext uri="{C183D7F6-B498-43B3-948B-1728B52AA6E4}">
-                <adec:decorative xmlns:adec="http://schemas.microsoft.com/office/drawing/2017/decorative" xmlns="" val="1"/>
+                <adec:decorative xmlns="" xmlns:adec="http://schemas.microsoft.com/office/drawing/2017/decorative" val="1"/>
               </a:ext>
             </a:extLst>
           </p:cNvPr>
@@ -22176,7 +22176,7 @@
                 <a16:creationId xmlns:a16="http://schemas.microsoft.com/office/drawing/2014/main" id="{871FBC72-3D16-49CE-BD02-AD416196D37A}"/>
               </a:ext>
               <a:ext uri="{C183D7F6-B498-43B3-948B-1728B52AA6E4}">
-                <adec:decorative xmlns:adec="http://schemas.microsoft.com/office/drawing/2017/decorative" xmlns="" val="1"/>
+                <adec:decorative xmlns="" xmlns:adec="http://schemas.microsoft.com/office/drawing/2017/decorative" val="1"/>
               </a:ext>
             </a:extLst>
           </p:cNvPr>
@@ -22223,7 +22223,7 @@
                 <a16:creationId xmlns:a16="http://schemas.microsoft.com/office/drawing/2014/main" id="{CCC335E7-FA18-44DB-ACBC-F2DABE9FB384}"/>
               </a:ext>
               <a:ext uri="{C183D7F6-B498-43B3-948B-1728B52AA6E4}">
-                <adec:decorative xmlns:adec="http://schemas.microsoft.com/office/drawing/2017/decorative" xmlns="" val="1"/>
+                <adec:decorative xmlns="" xmlns:adec="http://schemas.microsoft.com/office/drawing/2017/decorative" val="1"/>
               </a:ext>
             </a:extLst>
           </p:cNvPr>
@@ -22270,7 +22270,7 @@
                 <a16:creationId xmlns:a16="http://schemas.microsoft.com/office/drawing/2014/main" id="{BB740650-61A2-4FDC-8700-54D96F01FF5A}"/>
               </a:ext>
               <a:ext uri="{C183D7F6-B498-43B3-948B-1728B52AA6E4}">
-                <adec:decorative xmlns:adec="http://schemas.microsoft.com/office/drawing/2017/decorative" xmlns="" val="1"/>
+                <adec:decorative xmlns="" xmlns:adec="http://schemas.microsoft.com/office/drawing/2017/decorative" val="1"/>
               </a:ext>
             </a:extLst>
           </p:cNvPr>
@@ -22317,7 +22317,7 @@
                 <a16:creationId xmlns:a16="http://schemas.microsoft.com/office/drawing/2014/main" id="{CA951A10-B648-4F4E-87FD-97FD8FEB4106}"/>
               </a:ext>
               <a:ext uri="{C183D7F6-B498-43B3-948B-1728B52AA6E4}">
-                <adec:decorative xmlns:adec="http://schemas.microsoft.com/office/drawing/2017/decorative" xmlns="" val="1"/>
+                <adec:decorative xmlns="" xmlns:adec="http://schemas.microsoft.com/office/drawing/2017/decorative" val="1"/>
               </a:ext>
             </a:extLst>
           </p:cNvPr>
@@ -22364,7 +22364,7 @@
                 <a16:creationId xmlns:a16="http://schemas.microsoft.com/office/drawing/2014/main" id="{1F4C4007-9EA0-4D1F-938D-A38B105119E9}"/>
               </a:ext>
               <a:ext uri="{C183D7F6-B498-43B3-948B-1728B52AA6E4}">
-                <adec:decorative xmlns:adec="http://schemas.microsoft.com/office/drawing/2017/decorative" xmlns="" val="1"/>
+                <adec:decorative xmlns="" xmlns:adec="http://schemas.microsoft.com/office/drawing/2017/decorative" val="1"/>
               </a:ext>
             </a:extLst>
           </p:cNvPr>
@@ -22634,7 +22634,7 @@
                 <a16:creationId xmlns:a16="http://schemas.microsoft.com/office/drawing/2014/main" id="{778EE4E8-00C6-48DD-8835-1470B6038F0A}"/>
               </a:ext>
               <a:ext uri="{C183D7F6-B498-43B3-948B-1728B52AA6E4}">
-                <adec:decorative xmlns:adec="http://schemas.microsoft.com/office/drawing/2017/decorative" xmlns="" val="1"/>
+                <adec:decorative xmlns="" xmlns:adec="http://schemas.microsoft.com/office/drawing/2017/decorative" val="1"/>
               </a:ext>
             </a:extLst>
           </p:cNvPr>
@@ -22711,7 +22711,7 @@
                 <a16:creationId xmlns:a16="http://schemas.microsoft.com/office/drawing/2014/main" id="{1D6BA6E7-5899-45FE-A720-127BD53EEDD5}"/>
               </a:ext>
               <a:ext uri="{C183D7F6-B498-43B3-948B-1728B52AA6E4}">
-                <adec:decorative xmlns:adec="http://schemas.microsoft.com/office/drawing/2017/decorative" xmlns="" val="1"/>
+                <adec:decorative xmlns="" xmlns:adec="http://schemas.microsoft.com/office/drawing/2017/decorative" val="1"/>
               </a:ext>
             </a:extLst>
           </p:cNvPr>
@@ -22835,7 +22835,7 @@
                 <a16:creationId xmlns:a16="http://schemas.microsoft.com/office/drawing/2014/main" id="{BA2767B8-F34C-4600-8F4B-21C0CDFE578E}"/>
               </a:ext>
               <a:ext uri="{C183D7F6-B498-43B3-948B-1728B52AA6E4}">
-                <adec:decorative xmlns:adec="http://schemas.microsoft.com/office/drawing/2017/decorative" xmlns="" val="1"/>
+                <adec:decorative xmlns="" xmlns:adec="http://schemas.microsoft.com/office/drawing/2017/decorative" val="1"/>
               </a:ext>
             </a:extLst>
           </p:cNvPr>
@@ -22945,7 +22945,7 @@
                 <a16:creationId xmlns:a16="http://schemas.microsoft.com/office/drawing/2014/main" id="{0CE211BC-1E62-4A42-A199-9B1FBAD2CE23}"/>
               </a:ext>
               <a:ext uri="{C183D7F6-B498-43B3-948B-1728B52AA6E4}">
-                <adec:decorative xmlns:adec="http://schemas.microsoft.com/office/drawing/2017/decorative" xmlns="" val="1"/>
+                <adec:decorative xmlns="" xmlns:adec="http://schemas.microsoft.com/office/drawing/2017/decorative" val="1"/>
               </a:ext>
             </a:extLst>
           </p:cNvPr>
@@ -23055,7 +23055,7 @@
                 <a16:creationId xmlns:a16="http://schemas.microsoft.com/office/drawing/2014/main" id="{815CD5D2-790A-41FA-B807-B7B212763D05}"/>
               </a:ext>
               <a:ext uri="{C183D7F6-B498-43B3-948B-1728B52AA6E4}">
-                <adec:decorative xmlns:adec="http://schemas.microsoft.com/office/drawing/2017/decorative" xmlns="" val="1"/>
+                <adec:decorative xmlns="" xmlns:adec="http://schemas.microsoft.com/office/drawing/2017/decorative" val="1"/>
               </a:ext>
             </a:extLst>
           </p:cNvPr>
@@ -23165,7 +23165,7 @@
                 <a16:creationId xmlns:a16="http://schemas.microsoft.com/office/drawing/2014/main" id="{1D19D589-0526-4B91-878C-8F5B57AFE6B1}"/>
               </a:ext>
               <a:ext uri="{C183D7F6-B498-43B3-948B-1728B52AA6E4}">
-                <adec:decorative xmlns:adec="http://schemas.microsoft.com/office/drawing/2017/decorative" xmlns="" val="1"/>
+                <adec:decorative xmlns="" xmlns:adec="http://schemas.microsoft.com/office/drawing/2017/decorative" val="1"/>
               </a:ext>
             </a:extLst>
           </p:cNvPr>
@@ -23275,7 +23275,7 @@
                 <a16:creationId xmlns:a16="http://schemas.microsoft.com/office/drawing/2014/main" id="{6A136B8D-0BEF-4C03-8B3C-BF95C65548B3}"/>
               </a:ext>
               <a:ext uri="{C183D7F6-B498-43B3-948B-1728B52AA6E4}">
-                <adec:decorative xmlns:adec="http://schemas.microsoft.com/office/drawing/2017/decorative" xmlns="" val="1"/>
+                <adec:decorative xmlns="" xmlns:adec="http://schemas.microsoft.com/office/drawing/2017/decorative" val="1"/>
               </a:ext>
             </a:extLst>
           </p:cNvPr>
@@ -23385,7 +23385,7 @@
                 <a16:creationId xmlns:a16="http://schemas.microsoft.com/office/drawing/2014/main" id="{AF549A83-F8CE-463B-9ED5-5A303AC8AC23}"/>
               </a:ext>
               <a:ext uri="{C183D7F6-B498-43B3-948B-1728B52AA6E4}">
-                <adec:decorative xmlns:adec="http://schemas.microsoft.com/office/drawing/2017/decorative" xmlns="" val="1"/>
+                <adec:decorative xmlns="" xmlns:adec="http://schemas.microsoft.com/office/drawing/2017/decorative" val="1"/>
               </a:ext>
             </a:extLst>
           </p:cNvPr>
@@ -23495,7 +23495,7 @@
                 <a16:creationId xmlns:a16="http://schemas.microsoft.com/office/drawing/2014/main" id="{0FD6813E-DBAA-47AF-94A9-F300864878FA}"/>
               </a:ext>
               <a:ext uri="{C183D7F6-B498-43B3-948B-1728B52AA6E4}">
-                <adec:decorative xmlns:adec="http://schemas.microsoft.com/office/drawing/2017/decorative" xmlns="" val="1"/>
+                <adec:decorative xmlns="" xmlns:adec="http://schemas.microsoft.com/office/drawing/2017/decorative" val="1"/>
               </a:ext>
             </a:extLst>
           </p:cNvPr>
@@ -23605,7 +23605,7 @@
                 <a16:creationId xmlns:a16="http://schemas.microsoft.com/office/drawing/2014/main" id="{9A78C933-BE2D-4980-BE96-E14880669883}"/>
               </a:ext>
               <a:ext uri="{C183D7F6-B498-43B3-948B-1728B52AA6E4}">
-                <adec:decorative xmlns:adec="http://schemas.microsoft.com/office/drawing/2017/decorative" xmlns="" val="1"/>
+                <adec:decorative xmlns="" xmlns:adec="http://schemas.microsoft.com/office/drawing/2017/decorative" val="1"/>
               </a:ext>
             </a:extLst>
           </p:cNvPr>
@@ -23767,7 +23767,7 @@
                 <a16:creationId xmlns:a16="http://schemas.microsoft.com/office/drawing/2014/main" id="{935D4C44-4726-4FC3-A8AA-03445F8D8733}"/>
               </a:ext>
               <a:ext uri="{C183D7F6-B498-43B3-948B-1728B52AA6E4}">
-                <adec:decorative xmlns:adec="http://schemas.microsoft.com/office/drawing/2017/decorative" xmlns="" val="1"/>
+                <adec:decorative xmlns="" xmlns:adec="http://schemas.microsoft.com/office/drawing/2017/decorative" val="1"/>
               </a:ext>
             </a:extLst>
           </p:cNvPr>
@@ -23790,7 +23790,7 @@
                   <a16:creationId xmlns:a16="http://schemas.microsoft.com/office/drawing/2014/main" id="{14CBF7C4-FBD4-4D0D-BD04-8E2CD586D72A}"/>
                 </a:ext>
                 <a:ext uri="{C183D7F6-B498-43B3-948B-1728B52AA6E4}">
-                  <adec:decorative xmlns:adec="http://schemas.microsoft.com/office/drawing/2017/decorative" xmlns="" val="1"/>
+                  <adec:decorative xmlns="" xmlns:adec="http://schemas.microsoft.com/office/drawing/2017/decorative" val="1"/>
                 </a:ext>
               </a:extLst>
             </p:cNvPr>
@@ -23829,7 +23829,7 @@
                   <a16:creationId xmlns:a16="http://schemas.microsoft.com/office/drawing/2014/main" id="{1C58BDB7-165B-4517-A042-E46D3D85D196}"/>
                 </a:ext>
                 <a:ext uri="{C183D7F6-B498-43B3-948B-1728B52AA6E4}">
-                  <adec:decorative xmlns:adec="http://schemas.microsoft.com/office/drawing/2017/decorative" xmlns="" val="1"/>
+                  <adec:decorative xmlns="" xmlns:adec="http://schemas.microsoft.com/office/drawing/2017/decorative" val="1"/>
                 </a:ext>
               </a:extLst>
             </p:cNvPr>
@@ -23868,7 +23868,7 @@
                   <a16:creationId xmlns:a16="http://schemas.microsoft.com/office/drawing/2014/main" id="{987C7E22-9002-48C2-9498-CFDECD00E891}"/>
                 </a:ext>
                 <a:ext uri="{C183D7F6-B498-43B3-948B-1728B52AA6E4}">
-                  <adec:decorative xmlns:adec="http://schemas.microsoft.com/office/drawing/2017/decorative" xmlns="" val="1"/>
+                  <adec:decorative xmlns="" xmlns:adec="http://schemas.microsoft.com/office/drawing/2017/decorative" val="1"/>
                 </a:ext>
               </a:extLst>
             </p:cNvPr>
@@ -23993,7 +23993,7 @@
                 <a16:creationId xmlns:a16="http://schemas.microsoft.com/office/drawing/2014/main" id="{BA2767B8-F34C-4600-8F4B-21C0CDFE578E}"/>
               </a:ext>
               <a:ext uri="{C183D7F6-B498-43B3-948B-1728B52AA6E4}">
-                <adec:decorative xmlns:adec="http://schemas.microsoft.com/office/drawing/2017/decorative" xmlns="" val="1"/>
+                <adec:decorative xmlns="" xmlns:adec="http://schemas.microsoft.com/office/drawing/2017/decorative" val="1"/>
               </a:ext>
             </a:extLst>
           </p:cNvPr>
@@ -24153,7 +24153,7 @@
                 <a16:creationId xmlns:a16="http://schemas.microsoft.com/office/drawing/2014/main" id="{0CE211BC-1E62-4A42-A199-9B1FBAD2CE23}"/>
               </a:ext>
               <a:ext uri="{C183D7F6-B498-43B3-948B-1728B52AA6E4}">
-                <adec:decorative xmlns:adec="http://schemas.microsoft.com/office/drawing/2017/decorative" xmlns="" val="1"/>
+                <adec:decorative xmlns="" xmlns:adec="http://schemas.microsoft.com/office/drawing/2017/decorative" val="1"/>
               </a:ext>
             </a:extLst>
           </p:cNvPr>
@@ -24313,7 +24313,7 @@
                 <a16:creationId xmlns:a16="http://schemas.microsoft.com/office/drawing/2014/main" id="{815CD5D2-790A-41FA-B807-B7B212763D05}"/>
               </a:ext>
               <a:ext uri="{C183D7F6-B498-43B3-948B-1728B52AA6E4}">
-                <adec:decorative xmlns:adec="http://schemas.microsoft.com/office/drawing/2017/decorative" xmlns="" val="1"/>
+                <adec:decorative xmlns="" xmlns:adec="http://schemas.microsoft.com/office/drawing/2017/decorative" val="1"/>
               </a:ext>
             </a:extLst>
           </p:cNvPr>
@@ -24473,7 +24473,7 @@
                 <a16:creationId xmlns:a16="http://schemas.microsoft.com/office/drawing/2014/main" id="{1D19D589-0526-4B91-878C-8F5B57AFE6B1}"/>
               </a:ext>
               <a:ext uri="{C183D7F6-B498-43B3-948B-1728B52AA6E4}">
-                <adec:decorative xmlns:adec="http://schemas.microsoft.com/office/drawing/2017/decorative" xmlns="" val="1"/>
+                <adec:decorative xmlns="" xmlns:adec="http://schemas.microsoft.com/office/drawing/2017/decorative" val="1"/>
               </a:ext>
             </a:extLst>
           </p:cNvPr>
@@ -24633,7 +24633,7 @@
                 <a16:creationId xmlns:a16="http://schemas.microsoft.com/office/drawing/2014/main" id="{6A136B8D-0BEF-4C03-8B3C-BF95C65548B3}"/>
               </a:ext>
               <a:ext uri="{C183D7F6-B498-43B3-948B-1728B52AA6E4}">
-                <adec:decorative xmlns:adec="http://schemas.microsoft.com/office/drawing/2017/decorative" xmlns="" val="1"/>
+                <adec:decorative xmlns="" xmlns:adec="http://schemas.microsoft.com/office/drawing/2017/decorative" val="1"/>
               </a:ext>
             </a:extLst>
           </p:cNvPr>
@@ -24680,7 +24680,7 @@
                 <a16:creationId xmlns:a16="http://schemas.microsoft.com/office/drawing/2014/main" id="{E8024806-5459-4580-AA84-DFE98F18A5A3}"/>
               </a:ext>
               <a:ext uri="{C183D7F6-B498-43B3-948B-1728B52AA6E4}">
-                <adec:decorative xmlns:adec="http://schemas.microsoft.com/office/drawing/2017/decorative" xmlns="" val="0"/>
+                <adec:decorative xmlns="" xmlns:adec="http://schemas.microsoft.com/office/drawing/2017/decorative" val="0"/>
               </a:ext>
             </a:extLst>
           </p:cNvPr>
@@ -24796,7 +24796,7 @@
                 <a16:creationId xmlns:a16="http://schemas.microsoft.com/office/drawing/2014/main" id="{AF549A83-F8CE-463B-9ED5-5A303AC8AC23}"/>
               </a:ext>
               <a:ext uri="{C183D7F6-B498-43B3-948B-1728B52AA6E4}">
-                <adec:decorative xmlns:adec="http://schemas.microsoft.com/office/drawing/2017/decorative" xmlns="" val="1"/>
+                <adec:decorative xmlns="" xmlns:adec="http://schemas.microsoft.com/office/drawing/2017/decorative" val="1"/>
               </a:ext>
             </a:extLst>
           </p:cNvPr>
@@ -24956,7 +24956,7 @@
                 <a16:creationId xmlns:a16="http://schemas.microsoft.com/office/drawing/2014/main" id="{0FD6813E-DBAA-47AF-94A9-F300864878FA}"/>
               </a:ext>
               <a:ext uri="{C183D7F6-B498-43B3-948B-1728B52AA6E4}">
-                <adec:decorative xmlns:adec="http://schemas.microsoft.com/office/drawing/2017/decorative" xmlns="" val="1"/>
+                <adec:decorative xmlns="" xmlns:adec="http://schemas.microsoft.com/office/drawing/2017/decorative" val="1"/>
               </a:ext>
             </a:extLst>
           </p:cNvPr>
@@ -25116,7 +25116,7 @@
                 <a16:creationId xmlns:a16="http://schemas.microsoft.com/office/drawing/2014/main" id="{9A78C933-BE2D-4980-BE96-E14880669883}"/>
               </a:ext>
               <a:ext uri="{C183D7F6-B498-43B3-948B-1728B52AA6E4}">
-                <adec:decorative xmlns:adec="http://schemas.microsoft.com/office/drawing/2017/decorative" xmlns="" val="1"/>
+                <adec:decorative xmlns="" xmlns:adec="http://schemas.microsoft.com/office/drawing/2017/decorative" val="1"/>
               </a:ext>
             </a:extLst>
           </p:cNvPr>
@@ -25371,7 +25371,7 @@
                 <a16:creationId xmlns:a16="http://schemas.microsoft.com/office/drawing/2014/main" id="{D43F84C4-7A63-4092-877E-74B824841320}"/>
               </a:ext>
               <a:ext uri="{C183D7F6-B498-43B3-948B-1728B52AA6E4}">
-                <adec:decorative xmlns:adec="http://schemas.microsoft.com/office/drawing/2017/decorative" xmlns="" val="1"/>
+                <adec:decorative xmlns="" xmlns:adec="http://schemas.microsoft.com/office/drawing/2017/decorative" val="1"/>
               </a:ext>
             </a:extLst>
           </p:cNvPr>
@@ -25662,7 +25662,7 @@
                 <a16:creationId xmlns:a16="http://schemas.microsoft.com/office/drawing/2014/main" id="{5D396EB3-B009-41EC-883D-783B45B40002}"/>
               </a:ext>
               <a:ext uri="{C183D7F6-B498-43B3-948B-1728B52AA6E4}">
-                <adec:decorative xmlns:adec="http://schemas.microsoft.com/office/drawing/2017/decorative" xmlns="" val="1"/>
+                <adec:decorative xmlns="" xmlns:adec="http://schemas.microsoft.com/office/drawing/2017/decorative" val="1"/>
               </a:ext>
             </a:extLst>
           </p:cNvPr>
@@ -25873,7 +25873,7 @@
                 <a16:creationId xmlns:a16="http://schemas.microsoft.com/office/drawing/2014/main" id="{3725AF1B-6140-4505-81CD-922F8227415C}"/>
               </a:ext>
               <a:ext uri="{C183D7F6-B498-43B3-948B-1728B52AA6E4}">
-                <adec:decorative xmlns:adec="http://schemas.microsoft.com/office/drawing/2017/decorative" xmlns="" val="1"/>
+                <adec:decorative xmlns="" xmlns:adec="http://schemas.microsoft.com/office/drawing/2017/decorative" val="1"/>
               </a:ext>
             </a:extLst>
           </p:cNvPr>
@@ -27022,7 +27022,7 @@
                 <a16:creationId xmlns:a16="http://schemas.microsoft.com/office/drawing/2014/main" id="{49A00690-0DF5-4330-B89B-2C9BBCBD2182}"/>
               </a:ext>
               <a:ext uri="{C183D7F6-B498-43B3-948B-1728B52AA6E4}">
-                <adec:decorative xmlns:adec="http://schemas.microsoft.com/office/drawing/2017/decorative" xmlns="" val="1"/>
+                <adec:decorative xmlns="" xmlns:adec="http://schemas.microsoft.com/office/drawing/2017/decorative" val="1"/>
               </a:ext>
             </a:extLst>
           </p:cNvPr>
@@ -28602,7 +28602,7 @@
                 <a16:creationId xmlns:a16="http://schemas.microsoft.com/office/drawing/2014/main" id="{005D2766-8051-4525-B84F-5BD0A1EA30C0}"/>
               </a:ext>
               <a:ext uri="{C183D7F6-B498-43B3-948B-1728B52AA6E4}">
-                <adec:decorative xmlns:adec="http://schemas.microsoft.com/office/drawing/2017/decorative" xmlns="" val="1"/>
+                <adec:decorative xmlns="" xmlns:adec="http://schemas.microsoft.com/office/drawing/2017/decorative" val="1"/>
               </a:ext>
             </a:extLst>
           </p:cNvPr>
@@ -29213,7 +29213,7 @@
                 <a16:creationId xmlns:a16="http://schemas.microsoft.com/office/drawing/2014/main" id="{90A2DFBB-3003-4080-87A9-825455A89862}"/>
               </a:ext>
               <a:ext uri="{C183D7F6-B498-43B3-948B-1728B52AA6E4}">
-                <adec:decorative xmlns:adec="http://schemas.microsoft.com/office/drawing/2017/decorative" xmlns="" val="1"/>
+                <adec:decorative xmlns="" xmlns:adec="http://schemas.microsoft.com/office/drawing/2017/decorative" val="1"/>
               </a:ext>
             </a:extLst>
           </p:cNvPr>
@@ -29973,7 +29973,7 @@
                 <a16:creationId xmlns:a16="http://schemas.microsoft.com/office/drawing/2014/main" id="{D612BC5C-D183-4F43-9348-CEF078622BC7}"/>
               </a:ext>
               <a:ext uri="{C183D7F6-B498-43B3-948B-1728B52AA6E4}">
-                <adec:decorative xmlns:adec="http://schemas.microsoft.com/office/drawing/2017/decorative" xmlns="" val="1"/>
+                <adec:decorative xmlns="" xmlns:adec="http://schemas.microsoft.com/office/drawing/2017/decorative" val="1"/>
               </a:ext>
             </a:extLst>
           </p:cNvPr>
@@ -31815,7 +31815,7 @@
                 <a16:creationId xmlns:a16="http://schemas.microsoft.com/office/drawing/2014/main" id="{2B452CCE-D69C-498E-9B48-C533DB88BC99}"/>
               </a:ext>
               <a:ext uri="{C183D7F6-B498-43B3-948B-1728B52AA6E4}">
-                <adec:decorative xmlns:adec="http://schemas.microsoft.com/office/drawing/2017/decorative" xmlns="" val="1"/>
+                <adec:decorative xmlns="" xmlns:adec="http://schemas.microsoft.com/office/drawing/2017/decorative" val="1"/>
               </a:ext>
             </a:extLst>
           </p:cNvPr>
@@ -33378,7 +33378,7 @@
                 <a16:creationId xmlns:a16="http://schemas.microsoft.com/office/drawing/2014/main" id="{2E0A46E6-23DB-43F3-BD7E-C4579838F24C}"/>
               </a:ext>
               <a:ext uri="{C183D7F6-B498-43B3-948B-1728B52AA6E4}">
-                <adec:decorative xmlns:adec="http://schemas.microsoft.com/office/drawing/2017/decorative" xmlns="" val="1"/>
+                <adec:decorative xmlns="" xmlns:adec="http://schemas.microsoft.com/office/drawing/2017/decorative" val="1"/>
               </a:ext>
             </a:extLst>
           </p:cNvPr>
@@ -33874,7 +33874,7 @@
                 <a16:creationId xmlns:a16="http://schemas.microsoft.com/office/drawing/2014/main" id="{4367E5F6-DCA7-4FF7-A05C-EEBE6326C728}"/>
               </a:ext>
               <a:ext uri="{C183D7F6-B498-43B3-948B-1728B52AA6E4}">
-                <adec:decorative xmlns:adec="http://schemas.microsoft.com/office/drawing/2017/decorative" xmlns="" val="1"/>
+                <adec:decorative xmlns="" xmlns:adec="http://schemas.microsoft.com/office/drawing/2017/decorative" val="1"/>
               </a:ext>
             </a:extLst>
           </p:cNvPr>
@@ -34196,7 +34196,7 @@
                 <a16:creationId xmlns:a16="http://schemas.microsoft.com/office/drawing/2014/main" id="{DA666032-E924-4402-8485-DDD5D20112FD}"/>
               </a:ext>
               <a:ext uri="{C183D7F6-B498-43B3-948B-1728B52AA6E4}">
-                <adec:decorative xmlns:adec="http://schemas.microsoft.com/office/drawing/2017/decorative" xmlns="" val="1"/>
+                <adec:decorative xmlns="" xmlns:adec="http://schemas.microsoft.com/office/drawing/2017/decorative" val="1"/>
               </a:ext>
             </a:extLst>
           </p:cNvPr>
@@ -34836,7 +34836,7 @@
                 <a16:creationId xmlns:a16="http://schemas.microsoft.com/office/drawing/2014/main" id="{844CFF04-049D-40C7-9082-60C6CF7684A8}"/>
               </a:ext>
               <a:ext uri="{C183D7F6-B498-43B3-948B-1728B52AA6E4}">
-                <adec:decorative xmlns:adec="http://schemas.microsoft.com/office/drawing/2017/decorative" xmlns="" val="1"/>
+                <adec:decorative xmlns="" xmlns:adec="http://schemas.microsoft.com/office/drawing/2017/decorative" val="1"/>
               </a:ext>
             </a:extLst>
           </p:cNvPr>
@@ -35063,7 +35063,7 @@
                 <a16:creationId xmlns:a16="http://schemas.microsoft.com/office/drawing/2014/main" id="{7D4186D3-C2B3-4D1D-8DF1-801C1A413D21}"/>
               </a:ext>
               <a:ext uri="{C183D7F6-B498-43B3-948B-1728B52AA6E4}">
-                <adec:decorative xmlns:adec="http://schemas.microsoft.com/office/drawing/2017/decorative" xmlns="" val="1"/>
+                <adec:decorative xmlns="" xmlns:adec="http://schemas.microsoft.com/office/drawing/2017/decorative" val="1"/>
               </a:ext>
             </a:extLst>
           </p:cNvPr>
@@ -35225,7 +35225,7 @@
                 <a16:creationId xmlns:a16="http://schemas.microsoft.com/office/drawing/2014/main" id="{ECDF26F2-E972-40FE-806F-12B056EA9DCC}"/>
               </a:ext>
               <a:ext uri="{C183D7F6-B498-43B3-948B-1728B52AA6E4}">
-                <adec:decorative xmlns:adec="http://schemas.microsoft.com/office/drawing/2017/decorative" xmlns="" val="1"/>
+                <adec:decorative xmlns="" xmlns:adec="http://schemas.microsoft.com/office/drawing/2017/decorative" val="1"/>
               </a:ext>
             </a:extLst>
           </p:cNvPr>
@@ -35409,7 +35409,7 @@
                 <a16:creationId xmlns:a16="http://schemas.microsoft.com/office/drawing/2014/main" id="{A644AF2C-FFDC-4661-BF6B-D208E5E816FA}"/>
               </a:ext>
               <a:ext uri="{C183D7F6-B498-43B3-948B-1728B52AA6E4}">
-                <adec:decorative xmlns:adec="http://schemas.microsoft.com/office/drawing/2017/decorative" xmlns="" val="1"/>
+                <adec:decorative xmlns="" xmlns:adec="http://schemas.microsoft.com/office/drawing/2017/decorative" val="1"/>
               </a:ext>
             </a:extLst>
           </p:cNvPr>
@@ -35810,7 +35810,7 @@
                 <a16:creationId xmlns:a16="http://schemas.microsoft.com/office/drawing/2014/main" id="{84AC47C1-092B-4DE6-902E-A0B393854995}"/>
               </a:ext>
               <a:ext uri="{C183D7F6-B498-43B3-948B-1728B52AA6E4}">
-                <adec:decorative xmlns:adec="http://schemas.microsoft.com/office/drawing/2017/decorative" xmlns="" val="1"/>
+                <adec:decorative xmlns="" xmlns:adec="http://schemas.microsoft.com/office/drawing/2017/decorative" val="1"/>
               </a:ext>
             </a:extLst>
           </p:cNvPr>
@@ -35993,7 +35993,7 @@
                 <a16:creationId xmlns:a16="http://schemas.microsoft.com/office/drawing/2014/main" id="{0BBBF875-E0E3-4837-9CCC-88E0DAFE277C}"/>
               </a:ext>
               <a:ext uri="{C183D7F6-B498-43B3-948B-1728B52AA6E4}">
-                <adec:decorative xmlns:adec="http://schemas.microsoft.com/office/drawing/2017/decorative" xmlns="" val="1"/>
+                <adec:decorative xmlns="" xmlns:adec="http://schemas.microsoft.com/office/drawing/2017/decorative" val="1"/>
               </a:ext>
             </a:extLst>
           </p:cNvPr>
@@ -36301,7 +36301,7 @@
                 <a16:creationId xmlns:a16="http://schemas.microsoft.com/office/drawing/2014/main" id="{872813F7-982A-459F-982C-723833FAAEAB}"/>
               </a:ext>
               <a:ext uri="{C183D7F6-B498-43B3-948B-1728B52AA6E4}">
-                <adec:decorative xmlns:adec="http://schemas.microsoft.com/office/drawing/2017/decorative" xmlns="" val="1"/>
+                <adec:decorative xmlns="" xmlns:adec="http://schemas.microsoft.com/office/drawing/2017/decorative" val="1"/>
               </a:ext>
             </a:extLst>
           </p:cNvPr>
@@ -36472,7 +36472,7 @@
                 <a16:creationId xmlns:a16="http://schemas.microsoft.com/office/drawing/2014/main" id="{F3CAEA78-64D9-4CA8-84AB-317B5F555D3C}"/>
               </a:ext>
               <a:ext uri="{C183D7F6-B498-43B3-948B-1728B52AA6E4}">
-                <adec:decorative xmlns:adec="http://schemas.microsoft.com/office/drawing/2017/decorative" xmlns="" val="1"/>
+                <adec:decorative xmlns="" xmlns:adec="http://schemas.microsoft.com/office/drawing/2017/decorative" val="1"/>
               </a:ext>
             </a:extLst>
           </p:cNvPr>
@@ -36897,7 +36897,7 @@
                 <a16:creationId xmlns:a16="http://schemas.microsoft.com/office/drawing/2014/main" id="{9E7E1626-AACF-488B-8999-ACEC2A595C0B}"/>
               </a:ext>
               <a:ext uri="{C183D7F6-B498-43B3-948B-1728B52AA6E4}">
-                <adec:decorative xmlns:adec="http://schemas.microsoft.com/office/drawing/2017/decorative" xmlns="" val="1"/>
+                <adec:decorative xmlns="" xmlns:adec="http://schemas.microsoft.com/office/drawing/2017/decorative" val="1"/>
               </a:ext>
             </a:extLst>
           </p:cNvPr>
@@ -36910,7 +36910,7 @@
           <a:blip r:embed="rId64">
             <a:extLst>
               <a:ext uri="{96DAC541-7B7A-43D3-8B79-37D633B846F1}">
-                <asvg:svgBlip xmlns:asvg="http://schemas.microsoft.com/office/drawing/2016/SVG/main" xmlns="" r:embed="rId65"/>
+                <asvg:svgBlip xmlns="" xmlns:asvg="http://schemas.microsoft.com/office/drawing/2016/SVG/main" r:embed="rId65"/>
               </a:ext>
             </a:extLst>
           </a:blip>
@@ -36936,7 +36936,7 @@
                 <a16:creationId xmlns:a16="http://schemas.microsoft.com/office/drawing/2014/main" id="{C320C759-D5D0-424F-9E65-06BA1C6E83D1}"/>
               </a:ext>
               <a:ext uri="{C183D7F6-B498-43B3-948B-1728B52AA6E4}">
-                <adec:decorative xmlns:adec="http://schemas.microsoft.com/office/drawing/2017/decorative" xmlns="" val="1"/>
+                <adec:decorative xmlns="" xmlns:adec="http://schemas.microsoft.com/office/drawing/2017/decorative" val="1"/>
               </a:ext>
             </a:extLst>
           </p:cNvPr>
@@ -38013,10 +38013,13 @@
           <a:bodyPr/>
           <a:lstStyle/>
           <a:p>
-            <a:r>
-              <a:rPr lang="en-US" dirty="0"/>
-              <a:t>Include the link to the demo materials.</a:t>
-            </a:r>
+            <a:pPr marL="0" indent="0">
+              <a:buNone/>
+            </a:pPr>
+            <a:endParaRPr lang="en-US" dirty="0"/>
+          </a:p>
+          <a:p>
+            <a:endParaRPr lang="en-US" dirty="0"/>
           </a:p>
         </p:txBody>
       </p:sp>
@@ -38028,7 +38031,7 @@
                 <a16:creationId xmlns:a16="http://schemas.microsoft.com/office/drawing/2014/main" id="{631E6006-A2F5-4FBC-89E1-21AA08E18BE6}"/>
               </a:ext>
               <a:ext uri="{C183D7F6-B498-43B3-948B-1728B52AA6E4}">
-                <adec:decorative xmlns:adec="http://schemas.microsoft.com/office/drawing/2017/decorative" xmlns="" val="1"/>
+                <adec:decorative xmlns="" xmlns:adec="http://schemas.microsoft.com/office/drawing/2017/decorative" val="1"/>
               </a:ext>
             </a:extLst>
           </p:cNvPr>
@@ -38057,6 +38060,50 @@
           <a:prstGeom prst="rect">
             <a:avLst/>
           </a:prstGeom>
+        </p:spPr>
+      </p:pic>
+      <p:pic>
+        <p:nvPicPr>
+          <p:cNvPr id="5" name="תמונה 4"/>
+          <p:cNvPicPr>
+            <a:picLocks noChangeAspect="1"/>
+          </p:cNvPicPr>
+          <p:nvPr/>
+        </p:nvPicPr>
+        <p:blipFill>
+          <a:blip r:embed="rId4">
+            <a:extLst>
+              <a:ext uri="{28A0092B-C50C-407E-A947-70E740481C1C}">
+                <a14:useLocalDpi xmlns:a14="http://schemas.microsoft.com/office/drawing/2010/main" val="0"/>
+              </a:ext>
+            </a:extLst>
+          </a:blip>
+          <a:stretch>
+            <a:fillRect/>
+          </a:stretch>
+        </p:blipFill>
+        <p:spPr>
+          <a:xfrm>
+            <a:off x="4592635" y="732432"/>
+            <a:ext cx="7387002" cy="5261984"/>
+          </a:xfrm>
+          <a:prstGeom prst="rect">
+            <a:avLst/>
+          </a:prstGeom>
+          <a:ln w="38100" cap="sq">
+            <a:solidFill>
+              <a:srgbClr val="000000"/>
+            </a:solidFill>
+            <a:prstDash val="solid"/>
+            <a:miter lim="800000"/>
+          </a:ln>
+          <a:effectLst>
+            <a:outerShdw blurRad="50800" dist="38100" dir="2700000" algn="tl" rotWithShape="0">
+              <a:srgbClr val="000000">
+                <a:alpha val="43000"/>
+              </a:srgbClr>
+            </a:outerShdw>
+          </a:effectLst>
         </p:spPr>
       </p:pic>
     </p:spTree>
